--- a/SPIG-LesHouches2020/SPIGL-GroupPhoto.pptx
+++ b/SPIG-LesHouches2020/SPIGL-GroupPhoto.pptx
@@ -6,6 +6,7 @@
   </p:sldMasterIdLst>
   <p:sldIdLst>
     <p:sldId id="256" r:id="rId2"/>
+    <p:sldId id="257" r:id="rId3"/>
   </p:sldIdLst>
   <p:sldSz cx="12192000" cy="6858000"/>
   <p:notesSz cx="6858000" cy="9144000"/>
@@ -104,6 +105,11 @@
       </a:defRPr>
     </a:lvl9pPr>
   </p:defaultTextStyle>
+  <p:extLst>
+    <p:ext uri="{EFAFB233-063F-42B5-8137-9DF3F51BA10A}">
+      <p15:sldGuideLst xmlns:p15="http://schemas.microsoft.com/office/powerpoint/2012/main"/>
+    </p:ext>
+  </p:extLst>
 </p:presentation>
 </file>
 
@@ -238,7 +244,7 @@
           <a:p>
             <a:fld id="{BD6CF86C-A444-44A9-9A8C-4903679670EB}" type="datetimeFigureOut">
               <a:rPr lang="en-US" smtClean="0"/>
-              <a:t>8/1/2020</a:t>
+              <a:t>8/3/2020</a:t>
             </a:fld>
             <a:endParaRPr lang="en-US"/>
           </a:p>
@@ -408,7 +414,7 @@
           <a:p>
             <a:fld id="{BD6CF86C-A444-44A9-9A8C-4903679670EB}" type="datetimeFigureOut">
               <a:rPr lang="en-US" smtClean="0"/>
-              <a:t>8/1/2020</a:t>
+              <a:t>8/3/2020</a:t>
             </a:fld>
             <a:endParaRPr lang="en-US"/>
           </a:p>
@@ -588,7 +594,7 @@
           <a:p>
             <a:fld id="{BD6CF86C-A444-44A9-9A8C-4903679670EB}" type="datetimeFigureOut">
               <a:rPr lang="en-US" smtClean="0"/>
-              <a:t>8/1/2020</a:t>
+              <a:t>8/3/2020</a:t>
             </a:fld>
             <a:endParaRPr lang="en-US"/>
           </a:p>
@@ -758,7 +764,7 @@
           <a:p>
             <a:fld id="{BD6CF86C-A444-44A9-9A8C-4903679670EB}" type="datetimeFigureOut">
               <a:rPr lang="en-US" smtClean="0"/>
-              <a:t>8/1/2020</a:t>
+              <a:t>8/3/2020</a:t>
             </a:fld>
             <a:endParaRPr lang="en-US"/>
           </a:p>
@@ -1004,7 +1010,7 @@
           <a:p>
             <a:fld id="{BD6CF86C-A444-44A9-9A8C-4903679670EB}" type="datetimeFigureOut">
               <a:rPr lang="en-US" smtClean="0"/>
-              <a:t>8/1/2020</a:t>
+              <a:t>8/3/2020</a:t>
             </a:fld>
             <a:endParaRPr lang="en-US"/>
           </a:p>
@@ -1236,7 +1242,7 @@
           <a:p>
             <a:fld id="{BD6CF86C-A444-44A9-9A8C-4903679670EB}" type="datetimeFigureOut">
               <a:rPr lang="en-US" smtClean="0"/>
-              <a:t>8/1/2020</a:t>
+              <a:t>8/3/2020</a:t>
             </a:fld>
             <a:endParaRPr lang="en-US"/>
           </a:p>
@@ -1603,7 +1609,7 @@
           <a:p>
             <a:fld id="{BD6CF86C-A444-44A9-9A8C-4903679670EB}" type="datetimeFigureOut">
               <a:rPr lang="en-US" smtClean="0"/>
-              <a:t>8/1/2020</a:t>
+              <a:t>8/3/2020</a:t>
             </a:fld>
             <a:endParaRPr lang="en-US"/>
           </a:p>
@@ -1721,7 +1727,7 @@
           <a:p>
             <a:fld id="{BD6CF86C-A444-44A9-9A8C-4903679670EB}" type="datetimeFigureOut">
               <a:rPr lang="en-US" smtClean="0"/>
-              <a:t>8/1/2020</a:t>
+              <a:t>8/3/2020</a:t>
             </a:fld>
             <a:endParaRPr lang="en-US"/>
           </a:p>
@@ -1816,7 +1822,7 @@
           <a:p>
             <a:fld id="{BD6CF86C-A444-44A9-9A8C-4903679670EB}" type="datetimeFigureOut">
               <a:rPr lang="en-US" smtClean="0"/>
-              <a:t>8/1/2020</a:t>
+              <a:t>8/3/2020</a:t>
             </a:fld>
             <a:endParaRPr lang="en-US"/>
           </a:p>
@@ -2093,7 +2099,7 @@
           <a:p>
             <a:fld id="{BD6CF86C-A444-44A9-9A8C-4903679670EB}" type="datetimeFigureOut">
               <a:rPr lang="en-US" smtClean="0"/>
-              <a:t>8/1/2020</a:t>
+              <a:t>8/3/2020</a:t>
             </a:fld>
             <a:endParaRPr lang="en-US"/>
           </a:p>
@@ -2346,7 +2352,7 @@
           <a:p>
             <a:fld id="{BD6CF86C-A444-44A9-9A8C-4903679670EB}" type="datetimeFigureOut">
               <a:rPr lang="en-US" smtClean="0"/>
-              <a:t>8/1/2020</a:t>
+              <a:t>8/3/2020</a:t>
             </a:fld>
             <a:endParaRPr lang="en-US"/>
           </a:p>
@@ -2559,7 +2565,7 @@
           <a:p>
             <a:fld id="{BD6CF86C-A444-44A9-9A8C-4903679670EB}" type="datetimeFigureOut">
               <a:rPr lang="en-US" smtClean="0"/>
-              <a:t>8/1/2020</a:t>
+              <a:t>8/3/2020</a:t>
             </a:fld>
             <a:endParaRPr lang="en-US"/>
           </a:p>
@@ -3018,8 +3024,8 @@
         </p:blipFill>
         <p:spPr>
           <a:xfrm>
-            <a:off x="1297497" y="0"/>
-            <a:ext cx="8946702" cy="5645977"/>
+            <a:off x="251824" y="1010788"/>
+            <a:ext cx="8965339" cy="5657738"/>
           </a:xfrm>
           <a:prstGeom prst="rect">
             <a:avLst/>
@@ -3034,7 +3040,7 @@
         </p:nvSpPr>
         <p:spPr>
           <a:xfrm>
-            <a:off x="118844" y="6211669"/>
+            <a:off x="237689" y="209585"/>
             <a:ext cx="11954311" cy="646331"/>
           </a:xfrm>
           <a:prstGeom prst="rect">
@@ -3090,14 +3096,14 @@
       </p:sp>
       <p:sp>
         <p:nvSpPr>
-          <p:cNvPr id="6" name="TextBox 5"/>
+          <p:cNvPr id="7" name="TextBox 6"/>
           <p:cNvSpPr txBox="1"/>
           <p:nvPr/>
         </p:nvSpPr>
         <p:spPr>
           <a:xfrm>
-            <a:off x="622184" y="5744157"/>
-            <a:ext cx="11450971" cy="369332"/>
+            <a:off x="10668000" y="650056"/>
+            <a:ext cx="2039922" cy="3046988"/>
           </a:xfrm>
           <a:prstGeom prst="rect">
             <a:avLst/>
@@ -3111,32 +3117,2178 @@
           <a:lstStyle/>
           <a:p>
             <a:r>
-              <a:rPr lang="en-US" sz="1600" dirty="0" smtClean="0"/>
-              <a:t>Online participants: </a:t>
-            </a:r>
-            <a:r>
-              <a:rPr lang="nb-NO" sz="1600" dirty="0" smtClean="0"/>
-              <a:t>Elena Celledoni, </a:t>
-            </a:r>
-            <a:r>
-              <a:rPr lang="nb-NO" sz="1600" dirty="0" smtClean="0"/>
-              <a:t>Manuel de León, Steve Huntsman, Frank Nielsen, </a:t>
-            </a:r>
-            <a:r>
-              <a:rPr lang="nb-NO" sz="1600" dirty="0" smtClean="0"/>
-              <a:t>Susanne Still, Koichi Tojo, Hiroaki Yoshimura</a:t>
-            </a:r>
-            <a:r>
-              <a:rPr lang="nb-NO" dirty="0" smtClean="0"/>
+              <a:rPr lang="en-US" sz="1200" u="sng" dirty="0" smtClean="0">
+                <a:latin typeface="Arial Narrow" panose="020B0606020202030204" pitchFamily="34" charset="0"/>
+              </a:rPr>
+              <a:t>Online participants</a:t>
+            </a:r>
+            <a:r>
+              <a:rPr lang="en-US" sz="1200" u="sng" dirty="0" smtClean="0">
+                <a:latin typeface="Arial Narrow" panose="020B0606020202030204" pitchFamily="34" charset="0"/>
+              </a:rPr>
+              <a:t>:</a:t>
+            </a:r>
+          </a:p>
+          <a:p>
+            <a:r>
+              <a:rPr lang="nb-NO" sz="1200" dirty="0" smtClean="0">
+                <a:latin typeface="Arial Narrow" panose="020B0606020202030204" pitchFamily="34" charset="0"/>
+              </a:rPr>
+              <a:t>Elena Celledoni</a:t>
+            </a:r>
+          </a:p>
+          <a:p>
+            <a:r>
+              <a:rPr lang="nb-NO" sz="1200" dirty="0">
+                <a:latin typeface="Arial Narrow" panose="020B0606020202030204" pitchFamily="34" charset="0"/>
+              </a:rPr>
+              <a:t>Francisco </a:t>
+            </a:r>
+            <a:r>
+              <a:rPr lang="nb-NO" sz="1200" dirty="0" smtClean="0">
+                <a:latin typeface="Arial Narrow" panose="020B0606020202030204" pitchFamily="34" charset="0"/>
+              </a:rPr>
+              <a:t>Chinesta</a:t>
+            </a:r>
+          </a:p>
+          <a:p>
+            <a:r>
+              <a:rPr lang="nb-NO" sz="1200" dirty="0">
+                <a:latin typeface="Arial Narrow" panose="020B0606020202030204" pitchFamily="34" charset="0"/>
+              </a:rPr>
+              <a:t>François Gay-Balmaz</a:t>
+            </a:r>
+            <a:endParaRPr lang="nb-NO" sz="1200" dirty="0" smtClean="0">
+              <a:latin typeface="Arial Narrow" panose="020B0606020202030204" pitchFamily="34" charset="0"/>
+            </a:endParaRPr>
+          </a:p>
+          <a:p>
+            <a:r>
+              <a:rPr lang="nb-NO" sz="1200" dirty="0" smtClean="0">
+                <a:latin typeface="Arial Narrow" panose="020B0606020202030204" pitchFamily="34" charset="0"/>
+              </a:rPr>
+              <a:t>Manuel </a:t>
+            </a:r>
+            <a:r>
+              <a:rPr lang="nb-NO" sz="1200" dirty="0" smtClean="0">
+                <a:latin typeface="Arial Narrow" panose="020B0606020202030204" pitchFamily="34" charset="0"/>
+              </a:rPr>
+              <a:t>de </a:t>
+            </a:r>
+            <a:r>
+              <a:rPr lang="nb-NO" sz="1200" dirty="0" smtClean="0">
+                <a:latin typeface="Arial Narrow" panose="020B0606020202030204" pitchFamily="34" charset="0"/>
+              </a:rPr>
+              <a:t>León </a:t>
+            </a:r>
+          </a:p>
+          <a:p>
+            <a:r>
+              <a:rPr lang="nb-NO" sz="1200" dirty="0" smtClean="0">
+                <a:latin typeface="Arial Narrow" panose="020B0606020202030204" pitchFamily="34" charset="0"/>
+              </a:rPr>
+              <a:t>Steve </a:t>
+            </a:r>
+            <a:r>
+              <a:rPr lang="nb-NO" sz="1200" dirty="0" smtClean="0">
+                <a:latin typeface="Arial Narrow" panose="020B0606020202030204" pitchFamily="34" charset="0"/>
+              </a:rPr>
+              <a:t>Huntsman</a:t>
+            </a:r>
+          </a:p>
+          <a:p>
+            <a:r>
+              <a:rPr lang="nb-NO" sz="1200" dirty="0">
+                <a:latin typeface="Arial Narrow" panose="020B0606020202030204" pitchFamily="34" charset="0"/>
+              </a:rPr>
+              <a:t>Bernhard Maschke</a:t>
+            </a:r>
+          </a:p>
+          <a:p>
+            <a:r>
+              <a:rPr lang="nb-NO" sz="1200" dirty="0" smtClean="0">
+                <a:latin typeface="Arial Narrow" panose="020B0606020202030204" pitchFamily="34" charset="0"/>
+              </a:rPr>
+              <a:t>Michel </a:t>
+            </a:r>
+            <a:r>
+              <a:rPr lang="nb-NO" sz="1200" dirty="0">
+                <a:latin typeface="Arial Narrow" panose="020B0606020202030204" pitchFamily="34" charset="0"/>
+              </a:rPr>
+              <a:t>Nguiffo Boyom </a:t>
+            </a:r>
+            <a:endParaRPr lang="nb-NO" sz="1200" dirty="0" smtClean="0">
+              <a:latin typeface="Arial Narrow" panose="020B0606020202030204" pitchFamily="34" charset="0"/>
+            </a:endParaRPr>
+          </a:p>
+          <a:p>
+            <a:r>
+              <a:rPr lang="nb-NO" sz="1200" dirty="0" smtClean="0">
+                <a:latin typeface="Arial Narrow" panose="020B0606020202030204" pitchFamily="34" charset="0"/>
+              </a:rPr>
+              <a:t>Frank Nielsen</a:t>
+            </a:r>
+          </a:p>
+          <a:p>
+            <a:r>
+              <a:rPr lang="nb-NO" sz="1200" dirty="0" smtClean="0">
+                <a:latin typeface="Arial Narrow" panose="020B0606020202030204" pitchFamily="34" charset="0"/>
+              </a:rPr>
+              <a:t>Susanne Still</a:t>
+            </a:r>
+          </a:p>
+          <a:p>
+            <a:r>
+              <a:rPr lang="nb-NO" sz="1200" dirty="0" smtClean="0">
+                <a:latin typeface="Arial Narrow" panose="020B0606020202030204" pitchFamily="34" charset="0"/>
+              </a:rPr>
+              <a:t>Koichi Tojo</a:t>
+            </a:r>
+          </a:p>
+          <a:p>
+            <a:r>
+              <a:rPr lang="nb-NO" sz="1200" dirty="0">
+                <a:latin typeface="Arial Narrow" panose="020B0606020202030204" pitchFamily="34" charset="0"/>
+              </a:rPr>
+              <a:t>Arjan van der Schaft</a:t>
+            </a:r>
+            <a:endParaRPr lang="nb-NO" sz="1200" dirty="0" smtClean="0">
+              <a:latin typeface="Arial Narrow" panose="020B0606020202030204" pitchFamily="34" charset="0"/>
+            </a:endParaRPr>
+          </a:p>
+          <a:p>
+            <a:r>
+              <a:rPr lang="nb-NO" sz="1200" dirty="0" smtClean="0">
+                <a:latin typeface="Arial Narrow" panose="020B0606020202030204" pitchFamily="34" charset="0"/>
+              </a:rPr>
+              <a:t>Hiroaki Yoshimura</a:t>
+            </a:r>
+          </a:p>
+          <a:p>
+            <a:endParaRPr lang="nb-NO" sz="1200" dirty="0">
+              <a:latin typeface="Arial Narrow" panose="020B0606020202030204" pitchFamily="34" charset="0"/>
+            </a:endParaRPr>
+          </a:p>
+          <a:p>
+            <a:endParaRPr lang="nb-NO" sz="1200" dirty="0" smtClean="0">
+              <a:latin typeface="Arial Narrow" panose="020B0606020202030204" pitchFamily="34" charset="0"/>
+            </a:endParaRPr>
+          </a:p>
+          <a:p>
+            <a:r>
+              <a:rPr lang="nb-NO" sz="1200" dirty="0" smtClean="0">
+                <a:latin typeface="Arial Narrow" panose="020B0606020202030204" pitchFamily="34" charset="0"/>
+              </a:rPr>
               <a:t>	 </a:t>
             </a:r>
           </a:p>
         </p:txBody>
       </p:sp>
+      <p:sp>
+        <p:nvSpPr>
+          <p:cNvPr id="11" name="TextBox 10"/>
+          <p:cNvSpPr txBox="1"/>
+          <p:nvPr/>
+        </p:nvSpPr>
+        <p:spPr>
+          <a:xfrm>
+            <a:off x="9323889" y="671160"/>
+            <a:ext cx="1878528" cy="6370975"/>
+          </a:xfrm>
+          <a:prstGeom prst="rect">
+            <a:avLst/>
+          </a:prstGeom>
+          <a:noFill/>
+        </p:spPr>
+        <p:txBody>
+          <a:bodyPr wrap="none" rtlCol="0">
+            <a:spAutoFit/>
+          </a:bodyPr>
+          <a:lstStyle/>
+          <a:p>
+            <a:pPr lvl="0" eaLnBrk="0" fontAlgn="base" hangingPunct="0">
+              <a:spcBef>
+                <a:spcPct val="0"/>
+              </a:spcBef>
+              <a:spcAft>
+                <a:spcPct val="0"/>
+              </a:spcAft>
+            </a:pPr>
+            <a:r>
+              <a:rPr lang="en-US" altLang="en-US" sz="1200" u="sng" dirty="0" smtClean="0">
+                <a:latin typeface="Arial Narrow" panose="020B0606020202030204" pitchFamily="34" charset="0"/>
+              </a:rPr>
+              <a:t>Onsite participants: </a:t>
+            </a:r>
+            <a:endParaRPr lang="en-US" altLang="en-US" sz="1200" dirty="0" smtClean="0">
+              <a:latin typeface="Arial Narrow" panose="020B0606020202030204" pitchFamily="34" charset="0"/>
+            </a:endParaRPr>
+          </a:p>
+          <a:p>
+            <a:pPr lvl="0" eaLnBrk="0" fontAlgn="base" hangingPunct="0">
+              <a:spcBef>
+                <a:spcPct val="0"/>
+              </a:spcBef>
+              <a:spcAft>
+                <a:spcPct val="0"/>
+              </a:spcAft>
+            </a:pPr>
+            <a:r>
+              <a:rPr lang="en-US" altLang="en-US" sz="1200" dirty="0" smtClean="0">
+                <a:latin typeface="Arial Narrow" panose="020B0606020202030204" pitchFamily="34" charset="0"/>
+              </a:rPr>
+              <a:t>Eric </a:t>
+            </a:r>
+            <a:r>
+              <a:rPr lang="en-US" altLang="en-US" sz="1200" dirty="0" err="1">
+                <a:latin typeface="Arial Narrow" panose="020B0606020202030204" pitchFamily="34" charset="0"/>
+              </a:rPr>
+              <a:t>Moulines</a:t>
+            </a:r>
+            <a:r>
+              <a:rPr lang="en-US" altLang="en-US" sz="1200" dirty="0">
+                <a:latin typeface="Arial Narrow" panose="020B0606020202030204" pitchFamily="34" charset="0"/>
+              </a:rPr>
+              <a:t> </a:t>
+            </a:r>
+          </a:p>
+          <a:p>
+            <a:pPr lvl="0" eaLnBrk="0" fontAlgn="base" hangingPunct="0">
+              <a:spcBef>
+                <a:spcPct val="0"/>
+              </a:spcBef>
+              <a:spcAft>
+                <a:spcPct val="0"/>
+              </a:spcAft>
+            </a:pPr>
+            <a:r>
+              <a:rPr lang="en-US" altLang="en-US" sz="1200" dirty="0">
+                <a:latin typeface="Arial Narrow" panose="020B0606020202030204" pitchFamily="34" charset="0"/>
+              </a:rPr>
+              <a:t>Jean-Pierre Françoise </a:t>
+            </a:r>
+          </a:p>
+          <a:p>
+            <a:pPr lvl="0" eaLnBrk="0" fontAlgn="base" hangingPunct="0">
+              <a:spcBef>
+                <a:spcPct val="0"/>
+              </a:spcBef>
+              <a:spcAft>
+                <a:spcPct val="0"/>
+              </a:spcAft>
+            </a:pPr>
+            <a:r>
+              <a:rPr lang="en-US" altLang="en-US" sz="1200" dirty="0">
+                <a:latin typeface="Arial Narrow" panose="020B0606020202030204" pitchFamily="34" charset="0"/>
+              </a:rPr>
+              <a:t>Jean-Claude </a:t>
+            </a:r>
+            <a:r>
+              <a:rPr lang="en-US" altLang="en-US" sz="1200" dirty="0" err="1">
+                <a:latin typeface="Arial Narrow" panose="020B0606020202030204" pitchFamily="34" charset="0"/>
+              </a:rPr>
+              <a:t>Zambrini</a:t>
+            </a:r>
+            <a:r>
+              <a:rPr lang="en-US" altLang="en-US" sz="1200" dirty="0">
+                <a:latin typeface="Arial Narrow" panose="020B0606020202030204" pitchFamily="34" charset="0"/>
+              </a:rPr>
+              <a:t> </a:t>
+            </a:r>
+          </a:p>
+          <a:p>
+            <a:pPr lvl="0" eaLnBrk="0" fontAlgn="base" hangingPunct="0">
+              <a:spcBef>
+                <a:spcPct val="0"/>
+              </a:spcBef>
+              <a:spcAft>
+                <a:spcPct val="0"/>
+              </a:spcAft>
+            </a:pPr>
+            <a:r>
+              <a:rPr lang="en-US" altLang="en-US" sz="1200" dirty="0" err="1">
+                <a:latin typeface="Arial Narrow" panose="020B0606020202030204" pitchFamily="34" charset="0"/>
+              </a:rPr>
+              <a:t>Géry</a:t>
+            </a:r>
+            <a:r>
+              <a:rPr lang="en-US" altLang="en-US" sz="1200" dirty="0">
+                <a:latin typeface="Arial Narrow" panose="020B0606020202030204" pitchFamily="34" charset="0"/>
+              </a:rPr>
+              <a:t> de </a:t>
+            </a:r>
+            <a:r>
+              <a:rPr lang="en-US" altLang="en-US" sz="1200" dirty="0" err="1">
+                <a:latin typeface="Arial Narrow" panose="020B0606020202030204" pitchFamily="34" charset="0"/>
+              </a:rPr>
+              <a:t>Saxcé</a:t>
+            </a:r>
+            <a:r>
+              <a:rPr lang="en-US" altLang="en-US" sz="1200" dirty="0">
+                <a:latin typeface="Arial Narrow" panose="020B0606020202030204" pitchFamily="34" charset="0"/>
+              </a:rPr>
+              <a:t> </a:t>
+            </a:r>
+          </a:p>
+          <a:p>
+            <a:pPr lvl="0" eaLnBrk="0" fontAlgn="base" hangingPunct="0">
+              <a:spcBef>
+                <a:spcPct val="0"/>
+              </a:spcBef>
+              <a:spcAft>
+                <a:spcPct val="0"/>
+              </a:spcAft>
+            </a:pPr>
+            <a:r>
+              <a:rPr lang="en-US" altLang="en-US" sz="1200" dirty="0" err="1">
+                <a:latin typeface="Arial Narrow" panose="020B0606020202030204" pitchFamily="34" charset="0"/>
+              </a:rPr>
+              <a:t>Frédéric</a:t>
+            </a:r>
+            <a:r>
+              <a:rPr lang="en-US" altLang="en-US" sz="1200" dirty="0">
+                <a:latin typeface="Arial Narrow" panose="020B0606020202030204" pitchFamily="34" charset="0"/>
+              </a:rPr>
+              <a:t> </a:t>
+            </a:r>
+            <a:r>
+              <a:rPr lang="en-US" altLang="en-US" sz="1200" dirty="0" err="1">
+                <a:latin typeface="Arial Narrow" panose="020B0606020202030204" pitchFamily="34" charset="0"/>
+              </a:rPr>
+              <a:t>Barbaresco</a:t>
+            </a:r>
+            <a:r>
+              <a:rPr lang="en-US" altLang="en-US" sz="1200" dirty="0">
+                <a:latin typeface="Arial Narrow" panose="020B0606020202030204" pitchFamily="34" charset="0"/>
+              </a:rPr>
+              <a:t> </a:t>
+            </a:r>
+          </a:p>
+          <a:p>
+            <a:pPr lvl="0" eaLnBrk="0" fontAlgn="base" hangingPunct="0">
+              <a:spcBef>
+                <a:spcPct val="0"/>
+              </a:spcBef>
+              <a:spcAft>
+                <a:spcPct val="0"/>
+              </a:spcAft>
+            </a:pPr>
+            <a:r>
+              <a:rPr lang="en-US" altLang="en-US" sz="1200" dirty="0" err="1">
+                <a:latin typeface="Arial Narrow" panose="020B0606020202030204" pitchFamily="34" charset="0"/>
+              </a:rPr>
+              <a:t>Goffredo</a:t>
+            </a:r>
+            <a:r>
+              <a:rPr lang="en-US" altLang="en-US" sz="1200" dirty="0">
+                <a:latin typeface="Arial Narrow" panose="020B0606020202030204" pitchFamily="34" charset="0"/>
+              </a:rPr>
+              <a:t> </a:t>
+            </a:r>
+            <a:r>
+              <a:rPr lang="en-US" altLang="en-US" sz="1200" dirty="0" err="1">
+                <a:latin typeface="Arial Narrow" panose="020B0606020202030204" pitchFamily="34" charset="0"/>
+              </a:rPr>
+              <a:t>Chirco</a:t>
+            </a:r>
+            <a:endParaRPr lang="en-US" altLang="en-US" sz="1200" dirty="0">
+              <a:latin typeface="Arial Narrow" panose="020B0606020202030204" pitchFamily="34" charset="0"/>
+            </a:endParaRPr>
+          </a:p>
+          <a:p>
+            <a:pPr lvl="0" eaLnBrk="0" fontAlgn="base" hangingPunct="0">
+              <a:spcBef>
+                <a:spcPct val="0"/>
+              </a:spcBef>
+              <a:spcAft>
+                <a:spcPct val="0"/>
+              </a:spcAft>
+            </a:pPr>
+            <a:r>
+              <a:rPr lang="en-US" altLang="en-US" sz="1200" dirty="0">
+                <a:latin typeface="Arial Narrow" panose="020B0606020202030204" pitchFamily="34" charset="0"/>
+              </a:rPr>
+              <a:t> Luigi </a:t>
+            </a:r>
+            <a:r>
+              <a:rPr lang="en-US" altLang="en-US" sz="1200" dirty="0" err="1">
+                <a:latin typeface="Arial Narrow" panose="020B0606020202030204" pitchFamily="34" charset="0"/>
+              </a:rPr>
+              <a:t>Malago</a:t>
+            </a:r>
+            <a:endParaRPr lang="en-US" altLang="en-US" sz="1200" dirty="0">
+              <a:latin typeface="Arial Narrow" panose="020B0606020202030204" pitchFamily="34" charset="0"/>
+            </a:endParaRPr>
+          </a:p>
+          <a:p>
+            <a:pPr lvl="0" eaLnBrk="0" fontAlgn="base" hangingPunct="0">
+              <a:spcBef>
+                <a:spcPct val="0"/>
+              </a:spcBef>
+              <a:spcAft>
+                <a:spcPct val="0"/>
+              </a:spcAft>
+            </a:pPr>
+            <a:r>
+              <a:rPr lang="en-US" altLang="en-US" sz="1200" dirty="0">
+                <a:latin typeface="Arial Narrow" panose="020B0606020202030204" pitchFamily="34" charset="0"/>
+              </a:rPr>
+              <a:t> </a:t>
+            </a:r>
+            <a:r>
+              <a:rPr lang="en-US" altLang="en-US" sz="1200" dirty="0" err="1">
+                <a:latin typeface="Arial Narrow" panose="020B0606020202030204" pitchFamily="34" charset="0"/>
+              </a:rPr>
+              <a:t>Vân</a:t>
+            </a:r>
+            <a:r>
+              <a:rPr lang="en-US" altLang="en-US" sz="1200" dirty="0">
+                <a:latin typeface="Arial Narrow" panose="020B0606020202030204" pitchFamily="34" charset="0"/>
+              </a:rPr>
+              <a:t> </a:t>
+            </a:r>
+            <a:r>
+              <a:rPr lang="en-US" altLang="en-US" sz="1200" dirty="0" err="1">
+                <a:latin typeface="Arial Narrow" panose="020B0606020202030204" pitchFamily="34" charset="0"/>
+              </a:rPr>
+              <a:t>Lê</a:t>
+            </a:r>
+            <a:r>
+              <a:rPr lang="en-US" altLang="en-US" sz="1200" dirty="0">
+                <a:latin typeface="Arial Narrow" panose="020B0606020202030204" pitchFamily="34" charset="0"/>
+              </a:rPr>
+              <a:t> </a:t>
+            </a:r>
+          </a:p>
+          <a:p>
+            <a:pPr lvl="0" eaLnBrk="0" fontAlgn="base" hangingPunct="0">
+              <a:spcBef>
+                <a:spcPct val="0"/>
+              </a:spcBef>
+              <a:spcAft>
+                <a:spcPct val="0"/>
+              </a:spcAft>
+            </a:pPr>
+            <a:r>
+              <a:rPr lang="en-US" altLang="en-US" sz="1200" dirty="0">
+                <a:latin typeface="Arial Narrow" panose="020B0606020202030204" pitchFamily="34" charset="0"/>
+              </a:rPr>
+              <a:t>Bernhard </a:t>
+            </a:r>
+            <a:r>
+              <a:rPr lang="en-US" altLang="en-US" sz="1200" dirty="0" err="1">
+                <a:latin typeface="Arial Narrow" panose="020B0606020202030204" pitchFamily="34" charset="0"/>
+              </a:rPr>
+              <a:t>Maschke</a:t>
+            </a:r>
+            <a:r>
+              <a:rPr lang="en-US" altLang="en-US" sz="1200" dirty="0">
+                <a:latin typeface="Arial Narrow" panose="020B0606020202030204" pitchFamily="34" charset="0"/>
+              </a:rPr>
+              <a:t> </a:t>
+            </a:r>
+          </a:p>
+          <a:p>
+            <a:pPr lvl="0" eaLnBrk="0" fontAlgn="base" hangingPunct="0">
+              <a:spcBef>
+                <a:spcPct val="0"/>
+              </a:spcBef>
+              <a:spcAft>
+                <a:spcPct val="0"/>
+              </a:spcAft>
+            </a:pPr>
+            <a:r>
+              <a:rPr lang="en-US" altLang="en-US" sz="1200" dirty="0" err="1">
+                <a:latin typeface="Arial Narrow" panose="020B0606020202030204" pitchFamily="34" charset="0"/>
+              </a:rPr>
+              <a:t>Zdravko</a:t>
+            </a:r>
+            <a:r>
+              <a:rPr lang="en-US" altLang="en-US" sz="1200" dirty="0">
+                <a:latin typeface="Arial Narrow" panose="020B0606020202030204" pitchFamily="34" charset="0"/>
+              </a:rPr>
+              <a:t> </a:t>
+            </a:r>
+            <a:r>
+              <a:rPr lang="en-US" altLang="en-US" sz="1200" dirty="0" err="1">
+                <a:latin typeface="Arial Narrow" panose="020B0606020202030204" pitchFamily="34" charset="0"/>
+              </a:rPr>
+              <a:t>Terze</a:t>
+            </a:r>
+            <a:endParaRPr lang="en-US" altLang="en-US" sz="1200" dirty="0">
+              <a:latin typeface="Arial Narrow" panose="020B0606020202030204" pitchFamily="34" charset="0"/>
+            </a:endParaRPr>
+          </a:p>
+          <a:p>
+            <a:pPr lvl="0" eaLnBrk="0" fontAlgn="base" hangingPunct="0">
+              <a:spcBef>
+                <a:spcPct val="0"/>
+              </a:spcBef>
+              <a:spcAft>
+                <a:spcPct val="0"/>
+              </a:spcAft>
+            </a:pPr>
+            <a:r>
+              <a:rPr lang="en-US" altLang="en-US" sz="1200" dirty="0">
+                <a:latin typeface="Arial Narrow" panose="020B0606020202030204" pitchFamily="34" charset="0"/>
+              </a:rPr>
+              <a:t> Giovanni </a:t>
+            </a:r>
+            <a:r>
+              <a:rPr lang="en-US" altLang="en-US" sz="1200" dirty="0" err="1">
+                <a:latin typeface="Arial Narrow" panose="020B0606020202030204" pitchFamily="34" charset="0"/>
+              </a:rPr>
+              <a:t>Pistone</a:t>
+            </a:r>
+            <a:r>
+              <a:rPr lang="en-US" altLang="en-US" sz="1200" dirty="0">
+                <a:latin typeface="Arial Narrow" panose="020B0606020202030204" pitchFamily="34" charset="0"/>
+              </a:rPr>
+              <a:t> </a:t>
+            </a:r>
+          </a:p>
+          <a:p>
+            <a:pPr lvl="0" eaLnBrk="0" fontAlgn="base" hangingPunct="0">
+              <a:spcBef>
+                <a:spcPct val="0"/>
+              </a:spcBef>
+              <a:spcAft>
+                <a:spcPct val="0"/>
+              </a:spcAft>
+            </a:pPr>
+            <a:r>
+              <a:rPr lang="en-US" altLang="en-US" sz="1200" dirty="0">
+                <a:latin typeface="Arial Narrow" panose="020B0606020202030204" pitchFamily="34" charset="0"/>
+              </a:rPr>
+              <a:t>Alessandro </a:t>
+            </a:r>
+            <a:r>
+              <a:rPr lang="en-US" altLang="en-US" sz="1200" dirty="0" err="1">
+                <a:latin typeface="Arial Narrow" panose="020B0606020202030204" pitchFamily="34" charset="0"/>
+              </a:rPr>
+              <a:t>Barp</a:t>
+            </a:r>
+            <a:r>
+              <a:rPr lang="en-US" altLang="en-US" sz="1200" dirty="0">
+                <a:latin typeface="Arial Narrow" panose="020B0606020202030204" pitchFamily="34" charset="0"/>
+              </a:rPr>
+              <a:t> </a:t>
+            </a:r>
+          </a:p>
+          <a:p>
+            <a:pPr lvl="0" eaLnBrk="0" fontAlgn="base" hangingPunct="0">
+              <a:spcBef>
+                <a:spcPct val="0"/>
+              </a:spcBef>
+              <a:spcAft>
+                <a:spcPct val="0"/>
+              </a:spcAft>
+            </a:pPr>
+            <a:r>
+              <a:rPr lang="en-US" altLang="en-US" sz="1200" dirty="0">
+                <a:latin typeface="Arial Narrow" panose="020B0606020202030204" pitchFamily="34" charset="0"/>
+              </a:rPr>
+              <a:t>Kevin Grosvenor </a:t>
+            </a:r>
+          </a:p>
+          <a:p>
+            <a:pPr lvl="0" eaLnBrk="0" fontAlgn="base" hangingPunct="0">
+              <a:spcBef>
+                <a:spcPct val="0"/>
+              </a:spcBef>
+              <a:spcAft>
+                <a:spcPct val="0"/>
+              </a:spcAft>
+            </a:pPr>
+            <a:r>
+              <a:rPr lang="en-US" altLang="en-US" sz="1200" dirty="0">
+                <a:latin typeface="Arial Narrow" panose="020B0606020202030204" pitchFamily="34" charset="0"/>
+              </a:rPr>
+              <a:t>Carlos </a:t>
+            </a:r>
+            <a:r>
+              <a:rPr lang="en-US" altLang="en-US" sz="1200" dirty="0" err="1">
+                <a:latin typeface="Arial Narrow" panose="020B0606020202030204" pitchFamily="34" charset="0"/>
+              </a:rPr>
+              <a:t>Couto</a:t>
+            </a:r>
+            <a:r>
+              <a:rPr lang="en-US" altLang="en-US" sz="1200" dirty="0">
+                <a:latin typeface="Arial Narrow" panose="020B0606020202030204" pitchFamily="34" charset="0"/>
+              </a:rPr>
+              <a:t> </a:t>
+            </a:r>
+            <a:endParaRPr lang="en-US" altLang="en-US" sz="1200" dirty="0" smtClean="0">
+              <a:latin typeface="Arial Narrow" panose="020B0606020202030204" pitchFamily="34" charset="0"/>
+            </a:endParaRPr>
+          </a:p>
+          <a:p>
+            <a:pPr lvl="0" eaLnBrk="0" fontAlgn="base" hangingPunct="0">
+              <a:spcBef>
+                <a:spcPct val="0"/>
+              </a:spcBef>
+              <a:spcAft>
+                <a:spcPct val="0"/>
+              </a:spcAft>
+            </a:pPr>
+            <a:r>
+              <a:rPr lang="en-US" altLang="en-US" sz="1200" dirty="0" err="1" smtClean="0">
+                <a:latin typeface="Arial Narrow" panose="020B0606020202030204" pitchFamily="34" charset="0"/>
+              </a:rPr>
+              <a:t>Chafik</a:t>
+            </a:r>
+            <a:r>
+              <a:rPr lang="en-US" altLang="en-US" sz="1200" dirty="0" smtClean="0">
+                <a:latin typeface="Arial Narrow" panose="020B0606020202030204" pitchFamily="34" charset="0"/>
+              </a:rPr>
+              <a:t>  Samir</a:t>
+            </a:r>
+          </a:p>
+          <a:p>
+            <a:pPr lvl="0" eaLnBrk="0" fontAlgn="base" hangingPunct="0">
+              <a:spcBef>
+                <a:spcPct val="0"/>
+              </a:spcBef>
+              <a:spcAft>
+                <a:spcPct val="0"/>
+              </a:spcAft>
+            </a:pPr>
+            <a:r>
+              <a:rPr lang="en-US" altLang="en-US" sz="1200" dirty="0" err="1" smtClean="0">
+                <a:latin typeface="Arial Narrow" panose="020B0606020202030204" pitchFamily="34" charset="0"/>
+              </a:rPr>
+              <a:t>Anis</a:t>
+            </a:r>
+            <a:r>
+              <a:rPr lang="en-US" altLang="en-US" sz="1200" dirty="0" smtClean="0">
+                <a:latin typeface="Arial Narrow" panose="020B0606020202030204" pitchFamily="34" charset="0"/>
+              </a:rPr>
+              <a:t> </a:t>
+            </a:r>
+            <a:r>
+              <a:rPr lang="en-US" altLang="en-US" sz="1200" dirty="0" err="1">
+                <a:latin typeface="Arial Narrow" panose="020B0606020202030204" pitchFamily="34" charset="0"/>
+              </a:rPr>
+              <a:t>Fradi</a:t>
+            </a:r>
+            <a:r>
+              <a:rPr lang="en-US" altLang="en-US" sz="1200" dirty="0">
+                <a:latin typeface="Arial Narrow" panose="020B0606020202030204" pitchFamily="34" charset="0"/>
+              </a:rPr>
+              <a:t> </a:t>
+            </a:r>
+          </a:p>
+          <a:p>
+            <a:pPr lvl="0" eaLnBrk="0" fontAlgn="base" hangingPunct="0">
+              <a:spcBef>
+                <a:spcPct val="0"/>
+              </a:spcBef>
+              <a:spcAft>
+                <a:spcPct val="0"/>
+              </a:spcAft>
+            </a:pPr>
+            <a:r>
+              <a:rPr lang="en-US" altLang="en-US" sz="1200" dirty="0">
+                <a:latin typeface="Arial Narrow" panose="020B0606020202030204" pitchFamily="34" charset="0"/>
+              </a:rPr>
+              <a:t>Rita  </a:t>
+            </a:r>
+            <a:r>
+              <a:rPr lang="en-US" altLang="en-US" sz="1200" dirty="0" err="1" smtClean="0">
+                <a:latin typeface="Arial Narrow" panose="020B0606020202030204" pitchFamily="34" charset="0"/>
+              </a:rPr>
+              <a:t>Fioresi</a:t>
+            </a:r>
+            <a:endParaRPr lang="en-US" altLang="en-US" sz="1200" dirty="0" smtClean="0">
+              <a:latin typeface="Arial Narrow" panose="020B0606020202030204" pitchFamily="34" charset="0"/>
+            </a:endParaRPr>
+          </a:p>
+          <a:p>
+            <a:pPr lvl="0" eaLnBrk="0" fontAlgn="base" hangingPunct="0">
+              <a:spcBef>
+                <a:spcPct val="0"/>
+              </a:spcBef>
+              <a:spcAft>
+                <a:spcPct val="0"/>
+              </a:spcAft>
+            </a:pPr>
+            <a:r>
+              <a:rPr lang="en-US" altLang="en-US" sz="1200" dirty="0" smtClean="0">
+                <a:latin typeface="Arial Narrow" panose="020B0606020202030204" pitchFamily="34" charset="0"/>
+              </a:rPr>
+              <a:t>Filippo </a:t>
+            </a:r>
+            <a:r>
+              <a:rPr lang="en-US" altLang="en-US" sz="1200" dirty="0" err="1">
+                <a:latin typeface="Arial Narrow" panose="020B0606020202030204" pitchFamily="34" charset="0"/>
+              </a:rPr>
+              <a:t>Masi</a:t>
+            </a:r>
+            <a:r>
+              <a:rPr lang="en-US" altLang="en-US" sz="1200" dirty="0">
+                <a:latin typeface="Arial Narrow" panose="020B0606020202030204" pitchFamily="34" charset="0"/>
+              </a:rPr>
+              <a:t> </a:t>
+            </a:r>
+          </a:p>
+          <a:p>
+            <a:pPr lvl="0" eaLnBrk="0" fontAlgn="base" hangingPunct="0">
+              <a:spcBef>
+                <a:spcPct val="0"/>
+              </a:spcBef>
+              <a:spcAft>
+                <a:spcPct val="0"/>
+              </a:spcAft>
+            </a:pPr>
+            <a:r>
+              <a:rPr lang="en-US" altLang="en-US" sz="1200" dirty="0">
+                <a:latin typeface="Arial Narrow" panose="020B0606020202030204" pitchFamily="34" charset="0"/>
+              </a:rPr>
+              <a:t>Emmanuel </a:t>
+            </a:r>
+            <a:r>
+              <a:rPr lang="en-US" altLang="en-US" sz="1200" dirty="0" err="1">
+                <a:latin typeface="Arial Narrow" panose="020B0606020202030204" pitchFamily="34" charset="0"/>
+              </a:rPr>
+              <a:t>Chevallier</a:t>
+            </a:r>
+            <a:r>
+              <a:rPr lang="en-US" altLang="en-US" sz="1200" dirty="0">
+                <a:latin typeface="Arial Narrow" panose="020B0606020202030204" pitchFamily="34" charset="0"/>
+              </a:rPr>
+              <a:t> </a:t>
+            </a:r>
+            <a:endParaRPr lang="en-US" altLang="en-US" sz="1200" dirty="0" smtClean="0">
+              <a:latin typeface="Arial Narrow" panose="020B0606020202030204" pitchFamily="34" charset="0"/>
+            </a:endParaRPr>
+          </a:p>
+          <a:p>
+            <a:pPr lvl="0" eaLnBrk="0" fontAlgn="base" hangingPunct="0">
+              <a:spcBef>
+                <a:spcPct val="0"/>
+              </a:spcBef>
+              <a:spcAft>
+                <a:spcPct val="0"/>
+              </a:spcAft>
+            </a:pPr>
+            <a:r>
+              <a:rPr lang="en-US" altLang="en-US" sz="1200" dirty="0" smtClean="0">
+                <a:latin typeface="Arial Narrow" panose="020B0606020202030204" pitchFamily="34" charset="0"/>
+              </a:rPr>
+              <a:t>Nicolas </a:t>
+            </a:r>
+            <a:r>
+              <a:rPr lang="en-US" altLang="en-US" sz="1200" dirty="0" err="1">
+                <a:latin typeface="Arial Narrow" panose="020B0606020202030204" pitchFamily="34" charset="0"/>
+              </a:rPr>
+              <a:t>Guigui</a:t>
+            </a:r>
+            <a:r>
+              <a:rPr lang="en-US" altLang="en-US" sz="1200" dirty="0">
+                <a:latin typeface="Arial Narrow" panose="020B0606020202030204" pitchFamily="34" charset="0"/>
+              </a:rPr>
+              <a:t> </a:t>
+            </a:r>
+          </a:p>
+          <a:p>
+            <a:pPr lvl="0" eaLnBrk="0" fontAlgn="base" hangingPunct="0">
+              <a:spcBef>
+                <a:spcPct val="0"/>
+              </a:spcBef>
+              <a:spcAft>
+                <a:spcPct val="0"/>
+              </a:spcAft>
+            </a:pPr>
+            <a:r>
+              <a:rPr lang="en-US" altLang="en-US" sz="1200" dirty="0">
+                <a:latin typeface="Arial Narrow" panose="020B0606020202030204" pitchFamily="34" charset="0"/>
+              </a:rPr>
+              <a:t>Riccardo </a:t>
+            </a:r>
+            <a:r>
+              <a:rPr lang="en-US" altLang="en-US" sz="1200" dirty="0" err="1">
+                <a:latin typeface="Arial Narrow" panose="020B0606020202030204" pitchFamily="34" charset="0"/>
+              </a:rPr>
+              <a:t>Volpi</a:t>
+            </a:r>
+            <a:endParaRPr lang="en-US" altLang="en-US" sz="1200" dirty="0">
+              <a:latin typeface="Arial Narrow" panose="020B0606020202030204" pitchFamily="34" charset="0"/>
+            </a:endParaRPr>
+          </a:p>
+          <a:p>
+            <a:pPr lvl="0" eaLnBrk="0" fontAlgn="base" hangingPunct="0">
+              <a:spcBef>
+                <a:spcPct val="0"/>
+              </a:spcBef>
+              <a:spcAft>
+                <a:spcPct val="0"/>
+              </a:spcAft>
+            </a:pPr>
+            <a:r>
+              <a:rPr lang="en-US" altLang="en-US" sz="1200" dirty="0" err="1" smtClean="0">
+                <a:latin typeface="Arial Narrow" panose="020B0606020202030204" pitchFamily="34" charset="0"/>
+              </a:rPr>
+              <a:t>Sébastien</a:t>
+            </a:r>
+            <a:r>
+              <a:rPr lang="en-US" altLang="en-US" sz="1200" dirty="0" smtClean="0">
+                <a:latin typeface="Arial Narrow" panose="020B0606020202030204" pitchFamily="34" charset="0"/>
+              </a:rPr>
+              <a:t> </a:t>
+            </a:r>
+            <a:r>
+              <a:rPr lang="en-US" altLang="en-US" sz="1200" dirty="0" err="1">
+                <a:latin typeface="Arial Narrow" panose="020B0606020202030204" pitchFamily="34" charset="0"/>
+              </a:rPr>
+              <a:t>Boyaval</a:t>
+            </a:r>
+            <a:r>
+              <a:rPr lang="en-US" altLang="en-US" sz="1200" dirty="0">
+                <a:latin typeface="Arial Narrow" panose="020B0606020202030204" pitchFamily="34" charset="0"/>
+              </a:rPr>
+              <a:t> </a:t>
+            </a:r>
+          </a:p>
+          <a:p>
+            <a:pPr lvl="0" eaLnBrk="0" fontAlgn="base" hangingPunct="0">
+              <a:spcBef>
+                <a:spcPct val="0"/>
+              </a:spcBef>
+              <a:spcAft>
+                <a:spcPct val="0"/>
+              </a:spcAft>
+            </a:pPr>
+            <a:r>
+              <a:rPr lang="en-US" altLang="en-US" sz="1200" dirty="0">
+                <a:latin typeface="Arial Narrow" panose="020B0606020202030204" pitchFamily="34" charset="0"/>
+              </a:rPr>
+              <a:t>Hatem </a:t>
+            </a:r>
+            <a:r>
+              <a:rPr lang="en-US" altLang="en-US" sz="1200" dirty="0" err="1">
+                <a:latin typeface="Arial Narrow" panose="020B0606020202030204" pitchFamily="34" charset="0"/>
+              </a:rPr>
+              <a:t>Hajri</a:t>
+            </a:r>
+            <a:endParaRPr lang="en-US" altLang="en-US" sz="1200" dirty="0">
+              <a:latin typeface="Arial Narrow" panose="020B0606020202030204" pitchFamily="34" charset="0"/>
+            </a:endParaRPr>
+          </a:p>
+          <a:p>
+            <a:pPr lvl="0" eaLnBrk="0" fontAlgn="base" hangingPunct="0">
+              <a:spcBef>
+                <a:spcPct val="0"/>
+              </a:spcBef>
+              <a:spcAft>
+                <a:spcPct val="0"/>
+              </a:spcAft>
+            </a:pPr>
+            <a:r>
+              <a:rPr lang="en-US" altLang="en-US" sz="1200" dirty="0" err="1" smtClean="0">
+                <a:latin typeface="Arial Narrow" panose="020B0606020202030204" pitchFamily="34" charset="0"/>
+              </a:rPr>
+              <a:t>Avetik</a:t>
+            </a:r>
+            <a:r>
+              <a:rPr lang="en-US" altLang="en-US" sz="1200" dirty="0" smtClean="0">
+                <a:latin typeface="Arial Narrow" panose="020B0606020202030204" pitchFamily="34" charset="0"/>
+              </a:rPr>
+              <a:t> </a:t>
+            </a:r>
+            <a:r>
+              <a:rPr lang="en-US" altLang="en-US" sz="1200" dirty="0" err="1">
+                <a:latin typeface="Arial Narrow" panose="020B0606020202030204" pitchFamily="34" charset="0"/>
+              </a:rPr>
+              <a:t>Karagulyan</a:t>
+            </a:r>
+            <a:endParaRPr lang="en-US" altLang="en-US" sz="1200" dirty="0">
+              <a:latin typeface="Arial Narrow" panose="020B0606020202030204" pitchFamily="34" charset="0"/>
+            </a:endParaRPr>
+          </a:p>
+          <a:p>
+            <a:pPr lvl="0" eaLnBrk="0" fontAlgn="base" hangingPunct="0">
+              <a:spcBef>
+                <a:spcPct val="0"/>
+              </a:spcBef>
+              <a:spcAft>
+                <a:spcPct val="0"/>
+              </a:spcAft>
+            </a:pPr>
+            <a:r>
+              <a:rPr lang="en-US" altLang="en-US" sz="1200" dirty="0" err="1" smtClean="0">
+                <a:latin typeface="Arial Narrow" panose="020B0606020202030204" pitchFamily="34" charset="0"/>
+              </a:rPr>
+              <a:t>Timothee</a:t>
+            </a:r>
+            <a:r>
+              <a:rPr lang="en-US" altLang="en-US" sz="1200" dirty="0">
+                <a:latin typeface="Arial Narrow" panose="020B0606020202030204" pitchFamily="34" charset="0"/>
+              </a:rPr>
+              <a:t>  </a:t>
+            </a:r>
+            <a:r>
+              <a:rPr lang="en-US" altLang="en-US" sz="1200" dirty="0" err="1">
+                <a:latin typeface="Arial Narrow" panose="020B0606020202030204" pitchFamily="34" charset="0"/>
+              </a:rPr>
+              <a:t>Pouchon</a:t>
+            </a:r>
+            <a:r>
+              <a:rPr lang="en-US" altLang="en-US" sz="1200" dirty="0">
+                <a:latin typeface="Arial Narrow" panose="020B0606020202030204" pitchFamily="34" charset="0"/>
+              </a:rPr>
+              <a:t> </a:t>
+            </a:r>
+            <a:endParaRPr lang="en-US" altLang="en-US" sz="1200" dirty="0" smtClean="0">
+              <a:latin typeface="Arial Narrow" panose="020B0606020202030204" pitchFamily="34" charset="0"/>
+            </a:endParaRPr>
+          </a:p>
+          <a:p>
+            <a:pPr lvl="0" eaLnBrk="0" fontAlgn="base" hangingPunct="0">
+              <a:spcBef>
+                <a:spcPct val="0"/>
+              </a:spcBef>
+              <a:spcAft>
+                <a:spcPct val="0"/>
+              </a:spcAft>
+            </a:pPr>
+            <a:r>
+              <a:rPr lang="en-US" altLang="en-US" sz="1200" dirty="0" smtClean="0">
+                <a:latin typeface="Arial Narrow" panose="020B0606020202030204" pitchFamily="34" charset="0"/>
+              </a:rPr>
+              <a:t>Elvis </a:t>
+            </a:r>
+            <a:r>
+              <a:rPr lang="en-US" altLang="en-US" sz="1200" dirty="0" err="1">
+                <a:latin typeface="Arial Narrow" panose="020B0606020202030204" pitchFamily="34" charset="0"/>
+              </a:rPr>
+              <a:t>Dohmatob</a:t>
+            </a:r>
+            <a:r>
+              <a:rPr lang="en-US" altLang="en-US" sz="1200" dirty="0">
+                <a:latin typeface="Arial Narrow" panose="020B0606020202030204" pitchFamily="34" charset="0"/>
+              </a:rPr>
+              <a:t> </a:t>
+            </a:r>
+          </a:p>
+          <a:p>
+            <a:pPr lvl="0" eaLnBrk="0" fontAlgn="base" hangingPunct="0">
+              <a:spcBef>
+                <a:spcPct val="0"/>
+              </a:spcBef>
+              <a:spcAft>
+                <a:spcPct val="0"/>
+              </a:spcAft>
+            </a:pPr>
+            <a:r>
+              <a:rPr lang="en-US" altLang="en-US" sz="1200" dirty="0">
+                <a:latin typeface="Arial Narrow" panose="020B0606020202030204" pitchFamily="34" charset="0"/>
+              </a:rPr>
+              <a:t>Pierre-Cyril Aubin-</a:t>
+            </a:r>
+            <a:r>
+              <a:rPr lang="en-US" altLang="en-US" sz="1200" dirty="0" err="1">
+                <a:latin typeface="Arial Narrow" panose="020B0606020202030204" pitchFamily="34" charset="0"/>
+              </a:rPr>
+              <a:t>Frankowski</a:t>
+            </a:r>
+            <a:r>
+              <a:rPr lang="en-US" altLang="en-US" sz="1200" dirty="0">
+                <a:latin typeface="Arial Narrow" panose="020B0606020202030204" pitchFamily="34" charset="0"/>
+              </a:rPr>
+              <a:t> </a:t>
+            </a:r>
+          </a:p>
+          <a:p>
+            <a:pPr lvl="0" eaLnBrk="0" fontAlgn="base" hangingPunct="0">
+              <a:spcBef>
+                <a:spcPct val="0"/>
+              </a:spcBef>
+              <a:spcAft>
+                <a:spcPct val="0"/>
+              </a:spcAft>
+            </a:pPr>
+            <a:r>
+              <a:rPr lang="en-US" altLang="en-US" sz="1200" dirty="0">
+                <a:latin typeface="Arial Narrow" panose="020B0606020202030204" pitchFamily="34" charset="0"/>
+              </a:rPr>
+              <a:t>Bruno </a:t>
+            </a:r>
+            <a:r>
+              <a:rPr lang="en-US" altLang="en-US" sz="1200" dirty="0" err="1">
+                <a:latin typeface="Arial Narrow" panose="020B0606020202030204" pitchFamily="34" charset="0"/>
+              </a:rPr>
+              <a:t>Sauvalle</a:t>
+            </a:r>
+            <a:r>
+              <a:rPr lang="en-US" altLang="en-US" sz="1200" dirty="0">
+                <a:latin typeface="Arial Narrow" panose="020B0606020202030204" pitchFamily="34" charset="0"/>
+              </a:rPr>
+              <a:t> </a:t>
+            </a:r>
+          </a:p>
+          <a:p>
+            <a:pPr lvl="0" eaLnBrk="0" fontAlgn="base" hangingPunct="0">
+              <a:spcBef>
+                <a:spcPct val="0"/>
+              </a:spcBef>
+              <a:spcAft>
+                <a:spcPct val="0"/>
+              </a:spcAft>
+            </a:pPr>
+            <a:r>
+              <a:rPr lang="en-US" altLang="en-US" sz="1200" dirty="0">
+                <a:latin typeface="Arial Narrow" panose="020B0606020202030204" pitchFamily="34" charset="0"/>
+              </a:rPr>
+              <a:t>Alexis </a:t>
+            </a:r>
+            <a:r>
+              <a:rPr lang="en-US" altLang="en-US" sz="1200" dirty="0" err="1">
+                <a:latin typeface="Arial Narrow" panose="020B0606020202030204" pitchFamily="34" charset="0"/>
+              </a:rPr>
+              <a:t>Decurninge</a:t>
+            </a:r>
+            <a:endParaRPr lang="en-US" altLang="en-US" sz="1200" dirty="0">
+              <a:latin typeface="Arial Narrow" panose="020B0606020202030204" pitchFamily="34" charset="0"/>
+            </a:endParaRPr>
+          </a:p>
+          <a:p>
+            <a:pPr lvl="0" eaLnBrk="0" fontAlgn="base" hangingPunct="0">
+              <a:spcBef>
+                <a:spcPct val="0"/>
+              </a:spcBef>
+              <a:spcAft>
+                <a:spcPct val="0"/>
+              </a:spcAft>
+            </a:pPr>
+            <a:r>
+              <a:rPr lang="en-US" altLang="en-US" sz="1200" dirty="0" smtClean="0">
+                <a:latin typeface="Arial Narrow" panose="020B0606020202030204" pitchFamily="34" charset="0"/>
+              </a:rPr>
+              <a:t>Carlos </a:t>
+            </a:r>
+            <a:r>
+              <a:rPr lang="en-US" altLang="en-US" sz="1200" dirty="0" err="1">
+                <a:latin typeface="Arial Narrow" panose="020B0606020202030204" pitchFamily="34" charset="0"/>
+              </a:rPr>
+              <a:t>Alcalde</a:t>
+            </a:r>
+            <a:endParaRPr lang="en-US" altLang="en-US" sz="1200" dirty="0">
+              <a:latin typeface="Arial Narrow" panose="020B0606020202030204" pitchFamily="34" charset="0"/>
+            </a:endParaRPr>
+          </a:p>
+          <a:p>
+            <a:pPr lvl="0" eaLnBrk="0" fontAlgn="base" hangingPunct="0">
+              <a:spcBef>
+                <a:spcPct val="0"/>
+              </a:spcBef>
+              <a:spcAft>
+                <a:spcPct val="0"/>
+              </a:spcAft>
+            </a:pPr>
+            <a:r>
+              <a:rPr lang="en-US" altLang="en-US" sz="1200" dirty="0" smtClean="0">
+                <a:latin typeface="Arial Narrow" panose="020B0606020202030204" pitchFamily="34" charset="0"/>
+              </a:rPr>
+              <a:t>Wolfgang </a:t>
+            </a:r>
+            <a:r>
+              <a:rPr lang="en-US" altLang="en-US" sz="1200" dirty="0" err="1">
+                <a:latin typeface="Arial Narrow" panose="020B0606020202030204" pitchFamily="34" charset="0"/>
+              </a:rPr>
+              <a:t>Doerr</a:t>
+            </a:r>
+            <a:endParaRPr lang="en-US" altLang="en-US" sz="1200" dirty="0">
+              <a:latin typeface="Arial Narrow" panose="020B0606020202030204" pitchFamily="34" charset="0"/>
+            </a:endParaRPr>
+          </a:p>
+          <a:p>
+            <a:pPr lvl="0" eaLnBrk="0" fontAlgn="base" hangingPunct="0">
+              <a:spcBef>
+                <a:spcPct val="0"/>
+              </a:spcBef>
+              <a:spcAft>
+                <a:spcPct val="0"/>
+              </a:spcAft>
+            </a:pPr>
+            <a:r>
+              <a:rPr lang="en-US" altLang="en-US" sz="1200" dirty="0" err="1" smtClean="0">
+                <a:latin typeface="Arial Narrow" panose="020B0606020202030204" pitchFamily="34" charset="0"/>
+              </a:rPr>
+              <a:t>Karmouda</a:t>
+            </a:r>
+            <a:r>
+              <a:rPr lang="en-US" altLang="en-US" sz="1200" dirty="0" smtClean="0">
+                <a:latin typeface="Arial Narrow" panose="020B0606020202030204" pitchFamily="34" charset="0"/>
+              </a:rPr>
+              <a:t> </a:t>
+            </a:r>
+            <a:r>
+              <a:rPr lang="en-US" altLang="en-US" sz="1200" dirty="0" err="1">
+                <a:latin typeface="Arial Narrow" panose="020B0606020202030204" pitchFamily="34" charset="0"/>
+              </a:rPr>
+              <a:t>Ouafae</a:t>
+            </a:r>
+            <a:r>
+              <a:rPr lang="en-US" altLang="en-US" sz="1200" dirty="0">
+                <a:latin typeface="Arial Narrow" panose="020B0606020202030204" pitchFamily="34" charset="0"/>
+              </a:rPr>
+              <a:t> </a:t>
+            </a:r>
+          </a:p>
+          <a:p>
+            <a:endParaRPr lang="en-US" sz="1200" dirty="0">
+              <a:latin typeface="Arial Narrow" panose="020B0606020202030204" pitchFamily="34" charset="0"/>
+            </a:endParaRPr>
+          </a:p>
+        </p:txBody>
+      </p:sp>
+      <p:pic>
+        <p:nvPicPr>
+          <p:cNvPr id="1028" name="Picture 4" descr="Les Houches predoc school on Ultracold Fermions - Sciencesconf.org"/>
+          <p:cNvPicPr>
+            <a:picLocks noChangeAspect="1" noChangeArrowheads="1"/>
+          </p:cNvPicPr>
+          <p:nvPr/>
+        </p:nvPicPr>
+        <p:blipFill>
+          <a:blip r:embed="rId3">
+            <a:extLst>
+              <a:ext uri="{28A0092B-C50C-407E-A947-70E740481C1C}">
+                <a14:useLocalDpi xmlns:a14="http://schemas.microsoft.com/office/drawing/2010/main" val="0"/>
+              </a:ext>
+            </a:extLst>
+          </a:blip>
+          <a:srcRect/>
+          <a:stretch>
+            <a:fillRect/>
+          </a:stretch>
+        </p:blipFill>
+        <p:spPr bwMode="auto">
+          <a:xfrm>
+            <a:off x="348522" y="5736978"/>
+            <a:ext cx="1555779" cy="825978"/>
+          </a:xfrm>
+          <a:prstGeom prst="rect">
+            <a:avLst/>
+          </a:prstGeom>
+          <a:noFill/>
+          <a:extLst>
+            <a:ext uri="{909E8E84-426E-40DD-AFC4-6F175D3DCCD1}">
+              <a14:hiddenFill xmlns:a14="http://schemas.microsoft.com/office/drawing/2010/main">
+                <a:solidFill>
+                  <a:srgbClr val="FFFFFF"/>
+                </a:solidFill>
+              </a14:hiddenFill>
+            </a:ext>
+          </a:extLst>
+        </p:spPr>
+      </p:pic>
     </p:spTree>
     <p:extLst>
       <p:ext uri="{BB962C8B-B14F-4D97-AF65-F5344CB8AC3E}">
         <p14:creationId xmlns:p14="http://schemas.microsoft.com/office/powerpoint/2010/main" val="1745231947"/>
+      </p:ext>
+    </p:extLst>
+  </p:cSld>
+  <p:clrMapOvr>
+    <a:masterClrMapping/>
+  </p:clrMapOvr>
+  <p:timing>
+    <p:tnLst>
+      <p:par>
+        <p:cTn id="1" dur="indefinite" restart="never" nodeType="tmRoot"/>
+      </p:par>
+    </p:tnLst>
+  </p:timing>
+</p:sld>
+</file>
+
+<file path=ppt/slides/slide2.xml><?xml version="1.0" encoding="utf-8"?>
+<p:sld xmlns:a="http://schemas.openxmlformats.org/drawingml/2006/main" xmlns:r="http://schemas.openxmlformats.org/officeDocument/2006/relationships" xmlns:p="http://schemas.openxmlformats.org/presentationml/2006/main">
+  <p:cSld>
+    <p:spTree>
+      <p:nvGrpSpPr>
+        <p:cNvPr id="1" name=""/>
+        <p:cNvGrpSpPr/>
+        <p:nvPr/>
+      </p:nvGrpSpPr>
+      <p:grpSpPr>
+        <a:xfrm>
+          <a:off x="0" y="0"/>
+          <a:ext cx="0" cy="0"/>
+          <a:chOff x="0" y="0"/>
+          <a:chExt cx="0" cy="0"/>
+        </a:xfrm>
+      </p:grpSpPr>
+      <p:sp>
+        <p:nvSpPr>
+          <p:cNvPr id="6" name="TextBox 5"/>
+          <p:cNvSpPr txBox="1"/>
+          <p:nvPr/>
+        </p:nvSpPr>
+        <p:spPr>
+          <a:xfrm>
+            <a:off x="973123" y="360727"/>
+            <a:ext cx="1878528" cy="6555641"/>
+          </a:xfrm>
+          <a:prstGeom prst="rect">
+            <a:avLst/>
+          </a:prstGeom>
+          <a:noFill/>
+        </p:spPr>
+        <p:txBody>
+          <a:bodyPr wrap="none" rtlCol="0">
+            <a:spAutoFit/>
+          </a:bodyPr>
+          <a:lstStyle/>
+          <a:p>
+            <a:pPr lvl="0" eaLnBrk="0" fontAlgn="base" hangingPunct="0">
+              <a:spcBef>
+                <a:spcPct val="0"/>
+              </a:spcBef>
+              <a:spcAft>
+                <a:spcPct val="0"/>
+              </a:spcAft>
+            </a:pPr>
+            <a:r>
+              <a:rPr lang="en-US" altLang="en-US" sz="1200" u="sng" dirty="0" smtClean="0">
+                <a:latin typeface="Arial Narrow" panose="020B0606020202030204" pitchFamily="34" charset="0"/>
+              </a:rPr>
+              <a:t>Onsite participants: </a:t>
+            </a:r>
+          </a:p>
+          <a:p>
+            <a:pPr lvl="0" eaLnBrk="0" fontAlgn="base" hangingPunct="0">
+              <a:spcBef>
+                <a:spcPct val="0"/>
+              </a:spcBef>
+              <a:spcAft>
+                <a:spcPct val="0"/>
+              </a:spcAft>
+            </a:pPr>
+            <a:endParaRPr lang="en-US" altLang="en-US" sz="1200" dirty="0" smtClean="0">
+              <a:latin typeface="Arial Narrow" panose="020B0606020202030204" pitchFamily="34" charset="0"/>
+            </a:endParaRPr>
+          </a:p>
+          <a:p>
+            <a:pPr lvl="0" eaLnBrk="0" fontAlgn="base" hangingPunct="0">
+              <a:spcBef>
+                <a:spcPct val="0"/>
+              </a:spcBef>
+              <a:spcAft>
+                <a:spcPct val="0"/>
+              </a:spcAft>
+            </a:pPr>
+            <a:r>
+              <a:rPr lang="en-US" altLang="en-US" sz="1200" dirty="0" smtClean="0">
+                <a:latin typeface="Arial Narrow" panose="020B0606020202030204" pitchFamily="34" charset="0"/>
+              </a:rPr>
+              <a:t>Eric </a:t>
+            </a:r>
+            <a:r>
+              <a:rPr lang="en-US" altLang="en-US" sz="1200" dirty="0" err="1">
+                <a:latin typeface="Arial Narrow" panose="020B0606020202030204" pitchFamily="34" charset="0"/>
+              </a:rPr>
+              <a:t>Moulines</a:t>
+            </a:r>
+            <a:r>
+              <a:rPr lang="en-US" altLang="en-US" sz="1200" dirty="0">
+                <a:latin typeface="Arial Narrow" panose="020B0606020202030204" pitchFamily="34" charset="0"/>
+              </a:rPr>
+              <a:t> </a:t>
+            </a:r>
+          </a:p>
+          <a:p>
+            <a:pPr lvl="0" eaLnBrk="0" fontAlgn="base" hangingPunct="0">
+              <a:spcBef>
+                <a:spcPct val="0"/>
+              </a:spcBef>
+              <a:spcAft>
+                <a:spcPct val="0"/>
+              </a:spcAft>
+            </a:pPr>
+            <a:r>
+              <a:rPr lang="en-US" altLang="en-US" sz="1200" dirty="0">
+                <a:latin typeface="Arial Narrow" panose="020B0606020202030204" pitchFamily="34" charset="0"/>
+              </a:rPr>
+              <a:t>Jean-Pierre Françoise </a:t>
+            </a:r>
+          </a:p>
+          <a:p>
+            <a:pPr lvl="0" eaLnBrk="0" fontAlgn="base" hangingPunct="0">
+              <a:spcBef>
+                <a:spcPct val="0"/>
+              </a:spcBef>
+              <a:spcAft>
+                <a:spcPct val="0"/>
+              </a:spcAft>
+            </a:pPr>
+            <a:r>
+              <a:rPr lang="en-US" altLang="en-US" sz="1200" dirty="0">
+                <a:latin typeface="Arial Narrow" panose="020B0606020202030204" pitchFamily="34" charset="0"/>
+              </a:rPr>
+              <a:t>Jean-Claude </a:t>
+            </a:r>
+            <a:r>
+              <a:rPr lang="en-US" altLang="en-US" sz="1200" dirty="0" err="1">
+                <a:latin typeface="Arial Narrow" panose="020B0606020202030204" pitchFamily="34" charset="0"/>
+              </a:rPr>
+              <a:t>Zambrini</a:t>
+            </a:r>
+            <a:r>
+              <a:rPr lang="en-US" altLang="en-US" sz="1200" dirty="0">
+                <a:latin typeface="Arial Narrow" panose="020B0606020202030204" pitchFamily="34" charset="0"/>
+              </a:rPr>
+              <a:t> </a:t>
+            </a:r>
+          </a:p>
+          <a:p>
+            <a:pPr lvl="0" eaLnBrk="0" fontAlgn="base" hangingPunct="0">
+              <a:spcBef>
+                <a:spcPct val="0"/>
+              </a:spcBef>
+              <a:spcAft>
+                <a:spcPct val="0"/>
+              </a:spcAft>
+            </a:pPr>
+            <a:r>
+              <a:rPr lang="en-US" altLang="en-US" sz="1200" dirty="0" err="1">
+                <a:latin typeface="Arial Narrow" panose="020B0606020202030204" pitchFamily="34" charset="0"/>
+              </a:rPr>
+              <a:t>Géry</a:t>
+            </a:r>
+            <a:r>
+              <a:rPr lang="en-US" altLang="en-US" sz="1200" dirty="0">
+                <a:latin typeface="Arial Narrow" panose="020B0606020202030204" pitchFamily="34" charset="0"/>
+              </a:rPr>
+              <a:t> de </a:t>
+            </a:r>
+            <a:r>
+              <a:rPr lang="en-US" altLang="en-US" sz="1200" dirty="0" err="1">
+                <a:latin typeface="Arial Narrow" panose="020B0606020202030204" pitchFamily="34" charset="0"/>
+              </a:rPr>
+              <a:t>Saxcé</a:t>
+            </a:r>
+            <a:r>
+              <a:rPr lang="en-US" altLang="en-US" sz="1200" dirty="0">
+                <a:latin typeface="Arial Narrow" panose="020B0606020202030204" pitchFamily="34" charset="0"/>
+              </a:rPr>
+              <a:t> </a:t>
+            </a:r>
+          </a:p>
+          <a:p>
+            <a:pPr lvl="0" eaLnBrk="0" fontAlgn="base" hangingPunct="0">
+              <a:spcBef>
+                <a:spcPct val="0"/>
+              </a:spcBef>
+              <a:spcAft>
+                <a:spcPct val="0"/>
+              </a:spcAft>
+            </a:pPr>
+            <a:r>
+              <a:rPr lang="en-US" altLang="en-US" sz="1200" dirty="0" err="1">
+                <a:latin typeface="Arial Narrow" panose="020B0606020202030204" pitchFamily="34" charset="0"/>
+              </a:rPr>
+              <a:t>Frédéric</a:t>
+            </a:r>
+            <a:r>
+              <a:rPr lang="en-US" altLang="en-US" sz="1200" dirty="0">
+                <a:latin typeface="Arial Narrow" panose="020B0606020202030204" pitchFamily="34" charset="0"/>
+              </a:rPr>
+              <a:t> </a:t>
+            </a:r>
+            <a:r>
+              <a:rPr lang="en-US" altLang="en-US" sz="1200" dirty="0" err="1">
+                <a:latin typeface="Arial Narrow" panose="020B0606020202030204" pitchFamily="34" charset="0"/>
+              </a:rPr>
+              <a:t>Barbaresco</a:t>
+            </a:r>
+            <a:r>
+              <a:rPr lang="en-US" altLang="en-US" sz="1200" dirty="0">
+                <a:latin typeface="Arial Narrow" panose="020B0606020202030204" pitchFamily="34" charset="0"/>
+              </a:rPr>
+              <a:t> </a:t>
+            </a:r>
+          </a:p>
+          <a:p>
+            <a:pPr lvl="0" eaLnBrk="0" fontAlgn="base" hangingPunct="0">
+              <a:spcBef>
+                <a:spcPct val="0"/>
+              </a:spcBef>
+              <a:spcAft>
+                <a:spcPct val="0"/>
+              </a:spcAft>
+            </a:pPr>
+            <a:r>
+              <a:rPr lang="en-US" altLang="en-US" sz="1200" dirty="0" err="1">
+                <a:latin typeface="Arial Narrow" panose="020B0606020202030204" pitchFamily="34" charset="0"/>
+              </a:rPr>
+              <a:t>Goffredo</a:t>
+            </a:r>
+            <a:r>
+              <a:rPr lang="en-US" altLang="en-US" sz="1200" dirty="0">
+                <a:latin typeface="Arial Narrow" panose="020B0606020202030204" pitchFamily="34" charset="0"/>
+              </a:rPr>
+              <a:t> </a:t>
+            </a:r>
+            <a:r>
+              <a:rPr lang="en-US" altLang="en-US" sz="1200" dirty="0" err="1">
+                <a:latin typeface="Arial Narrow" panose="020B0606020202030204" pitchFamily="34" charset="0"/>
+              </a:rPr>
+              <a:t>Chirco</a:t>
+            </a:r>
+            <a:endParaRPr lang="en-US" altLang="en-US" sz="1200" dirty="0">
+              <a:latin typeface="Arial Narrow" panose="020B0606020202030204" pitchFamily="34" charset="0"/>
+            </a:endParaRPr>
+          </a:p>
+          <a:p>
+            <a:pPr lvl="0" eaLnBrk="0" fontAlgn="base" hangingPunct="0">
+              <a:spcBef>
+                <a:spcPct val="0"/>
+              </a:spcBef>
+              <a:spcAft>
+                <a:spcPct val="0"/>
+              </a:spcAft>
+            </a:pPr>
+            <a:r>
+              <a:rPr lang="en-US" altLang="en-US" sz="1200" dirty="0">
+                <a:latin typeface="Arial Narrow" panose="020B0606020202030204" pitchFamily="34" charset="0"/>
+              </a:rPr>
+              <a:t> Luigi </a:t>
+            </a:r>
+            <a:r>
+              <a:rPr lang="en-US" altLang="en-US" sz="1200" dirty="0" err="1">
+                <a:latin typeface="Arial Narrow" panose="020B0606020202030204" pitchFamily="34" charset="0"/>
+              </a:rPr>
+              <a:t>Malago</a:t>
+            </a:r>
+            <a:endParaRPr lang="en-US" altLang="en-US" sz="1200" dirty="0">
+              <a:latin typeface="Arial Narrow" panose="020B0606020202030204" pitchFamily="34" charset="0"/>
+            </a:endParaRPr>
+          </a:p>
+          <a:p>
+            <a:pPr lvl="0" eaLnBrk="0" fontAlgn="base" hangingPunct="0">
+              <a:spcBef>
+                <a:spcPct val="0"/>
+              </a:spcBef>
+              <a:spcAft>
+                <a:spcPct val="0"/>
+              </a:spcAft>
+            </a:pPr>
+            <a:r>
+              <a:rPr lang="en-US" altLang="en-US" sz="1200" dirty="0">
+                <a:latin typeface="Arial Narrow" panose="020B0606020202030204" pitchFamily="34" charset="0"/>
+              </a:rPr>
+              <a:t> </a:t>
+            </a:r>
+            <a:r>
+              <a:rPr lang="en-US" altLang="en-US" sz="1200" dirty="0" err="1">
+                <a:latin typeface="Arial Narrow" panose="020B0606020202030204" pitchFamily="34" charset="0"/>
+              </a:rPr>
+              <a:t>Vân</a:t>
+            </a:r>
+            <a:r>
+              <a:rPr lang="en-US" altLang="en-US" sz="1200" dirty="0">
+                <a:latin typeface="Arial Narrow" panose="020B0606020202030204" pitchFamily="34" charset="0"/>
+              </a:rPr>
+              <a:t> </a:t>
+            </a:r>
+            <a:r>
+              <a:rPr lang="en-US" altLang="en-US" sz="1200" dirty="0" err="1">
+                <a:latin typeface="Arial Narrow" panose="020B0606020202030204" pitchFamily="34" charset="0"/>
+              </a:rPr>
+              <a:t>Lê</a:t>
+            </a:r>
+            <a:r>
+              <a:rPr lang="en-US" altLang="en-US" sz="1200" dirty="0">
+                <a:latin typeface="Arial Narrow" panose="020B0606020202030204" pitchFamily="34" charset="0"/>
+              </a:rPr>
+              <a:t> </a:t>
+            </a:r>
+          </a:p>
+          <a:p>
+            <a:pPr lvl="0" eaLnBrk="0" fontAlgn="base" hangingPunct="0">
+              <a:spcBef>
+                <a:spcPct val="0"/>
+              </a:spcBef>
+              <a:spcAft>
+                <a:spcPct val="0"/>
+              </a:spcAft>
+            </a:pPr>
+            <a:r>
+              <a:rPr lang="en-US" altLang="en-US" sz="1200" dirty="0">
+                <a:latin typeface="Arial Narrow" panose="020B0606020202030204" pitchFamily="34" charset="0"/>
+              </a:rPr>
+              <a:t>Bernhard </a:t>
+            </a:r>
+            <a:r>
+              <a:rPr lang="en-US" altLang="en-US" sz="1200" dirty="0" err="1">
+                <a:latin typeface="Arial Narrow" panose="020B0606020202030204" pitchFamily="34" charset="0"/>
+              </a:rPr>
+              <a:t>Maschke</a:t>
+            </a:r>
+            <a:r>
+              <a:rPr lang="en-US" altLang="en-US" sz="1200" dirty="0">
+                <a:latin typeface="Arial Narrow" panose="020B0606020202030204" pitchFamily="34" charset="0"/>
+              </a:rPr>
+              <a:t> </a:t>
+            </a:r>
+          </a:p>
+          <a:p>
+            <a:pPr lvl="0" eaLnBrk="0" fontAlgn="base" hangingPunct="0">
+              <a:spcBef>
+                <a:spcPct val="0"/>
+              </a:spcBef>
+              <a:spcAft>
+                <a:spcPct val="0"/>
+              </a:spcAft>
+            </a:pPr>
+            <a:r>
+              <a:rPr lang="en-US" altLang="en-US" sz="1200" dirty="0" err="1">
+                <a:latin typeface="Arial Narrow" panose="020B0606020202030204" pitchFamily="34" charset="0"/>
+              </a:rPr>
+              <a:t>Zdravko</a:t>
+            </a:r>
+            <a:r>
+              <a:rPr lang="en-US" altLang="en-US" sz="1200" dirty="0">
+                <a:latin typeface="Arial Narrow" panose="020B0606020202030204" pitchFamily="34" charset="0"/>
+              </a:rPr>
+              <a:t> </a:t>
+            </a:r>
+            <a:r>
+              <a:rPr lang="en-US" altLang="en-US" sz="1200" dirty="0" err="1">
+                <a:latin typeface="Arial Narrow" panose="020B0606020202030204" pitchFamily="34" charset="0"/>
+              </a:rPr>
+              <a:t>Terze</a:t>
+            </a:r>
+            <a:endParaRPr lang="en-US" altLang="en-US" sz="1200" dirty="0">
+              <a:latin typeface="Arial Narrow" panose="020B0606020202030204" pitchFamily="34" charset="0"/>
+            </a:endParaRPr>
+          </a:p>
+          <a:p>
+            <a:pPr lvl="0" eaLnBrk="0" fontAlgn="base" hangingPunct="0">
+              <a:spcBef>
+                <a:spcPct val="0"/>
+              </a:spcBef>
+              <a:spcAft>
+                <a:spcPct val="0"/>
+              </a:spcAft>
+            </a:pPr>
+            <a:r>
+              <a:rPr lang="en-US" altLang="en-US" sz="1200" dirty="0">
+                <a:latin typeface="Arial Narrow" panose="020B0606020202030204" pitchFamily="34" charset="0"/>
+              </a:rPr>
+              <a:t> Giovanni </a:t>
+            </a:r>
+            <a:r>
+              <a:rPr lang="en-US" altLang="en-US" sz="1200" dirty="0" err="1">
+                <a:latin typeface="Arial Narrow" panose="020B0606020202030204" pitchFamily="34" charset="0"/>
+              </a:rPr>
+              <a:t>Pistone</a:t>
+            </a:r>
+            <a:r>
+              <a:rPr lang="en-US" altLang="en-US" sz="1200" dirty="0">
+                <a:latin typeface="Arial Narrow" panose="020B0606020202030204" pitchFamily="34" charset="0"/>
+              </a:rPr>
+              <a:t> </a:t>
+            </a:r>
+          </a:p>
+          <a:p>
+            <a:pPr lvl="0" eaLnBrk="0" fontAlgn="base" hangingPunct="0">
+              <a:spcBef>
+                <a:spcPct val="0"/>
+              </a:spcBef>
+              <a:spcAft>
+                <a:spcPct val="0"/>
+              </a:spcAft>
+            </a:pPr>
+            <a:r>
+              <a:rPr lang="en-US" altLang="en-US" sz="1200" dirty="0">
+                <a:latin typeface="Arial Narrow" panose="020B0606020202030204" pitchFamily="34" charset="0"/>
+              </a:rPr>
+              <a:t>Alessandro </a:t>
+            </a:r>
+            <a:r>
+              <a:rPr lang="en-US" altLang="en-US" sz="1200" dirty="0" err="1">
+                <a:latin typeface="Arial Narrow" panose="020B0606020202030204" pitchFamily="34" charset="0"/>
+              </a:rPr>
+              <a:t>Barp</a:t>
+            </a:r>
+            <a:r>
+              <a:rPr lang="en-US" altLang="en-US" sz="1200" dirty="0">
+                <a:latin typeface="Arial Narrow" panose="020B0606020202030204" pitchFamily="34" charset="0"/>
+              </a:rPr>
+              <a:t> </a:t>
+            </a:r>
+          </a:p>
+          <a:p>
+            <a:pPr lvl="0" eaLnBrk="0" fontAlgn="base" hangingPunct="0">
+              <a:spcBef>
+                <a:spcPct val="0"/>
+              </a:spcBef>
+              <a:spcAft>
+                <a:spcPct val="0"/>
+              </a:spcAft>
+            </a:pPr>
+            <a:r>
+              <a:rPr lang="en-US" altLang="en-US" sz="1200" dirty="0">
+                <a:latin typeface="Arial Narrow" panose="020B0606020202030204" pitchFamily="34" charset="0"/>
+              </a:rPr>
+              <a:t>Kevin Grosvenor </a:t>
+            </a:r>
+          </a:p>
+          <a:p>
+            <a:pPr lvl="0" eaLnBrk="0" fontAlgn="base" hangingPunct="0">
+              <a:spcBef>
+                <a:spcPct val="0"/>
+              </a:spcBef>
+              <a:spcAft>
+                <a:spcPct val="0"/>
+              </a:spcAft>
+            </a:pPr>
+            <a:r>
+              <a:rPr lang="en-US" altLang="en-US" sz="1200" dirty="0">
+                <a:latin typeface="Arial Narrow" panose="020B0606020202030204" pitchFamily="34" charset="0"/>
+              </a:rPr>
+              <a:t>Carlos </a:t>
+            </a:r>
+            <a:r>
+              <a:rPr lang="en-US" altLang="en-US" sz="1200" dirty="0" err="1">
+                <a:latin typeface="Arial Narrow" panose="020B0606020202030204" pitchFamily="34" charset="0"/>
+              </a:rPr>
+              <a:t>Couto</a:t>
+            </a:r>
+            <a:r>
+              <a:rPr lang="en-US" altLang="en-US" sz="1200" dirty="0">
+                <a:latin typeface="Arial Narrow" panose="020B0606020202030204" pitchFamily="34" charset="0"/>
+              </a:rPr>
+              <a:t> </a:t>
+            </a:r>
+            <a:endParaRPr lang="en-US" altLang="en-US" sz="1200" dirty="0" smtClean="0">
+              <a:latin typeface="Arial Narrow" panose="020B0606020202030204" pitchFamily="34" charset="0"/>
+            </a:endParaRPr>
+          </a:p>
+          <a:p>
+            <a:pPr lvl="0" eaLnBrk="0" fontAlgn="base" hangingPunct="0">
+              <a:spcBef>
+                <a:spcPct val="0"/>
+              </a:spcBef>
+              <a:spcAft>
+                <a:spcPct val="0"/>
+              </a:spcAft>
+            </a:pPr>
+            <a:r>
+              <a:rPr lang="en-US" altLang="en-US" sz="1200" dirty="0" err="1" smtClean="0">
+                <a:latin typeface="Arial Narrow" panose="020B0606020202030204" pitchFamily="34" charset="0"/>
+              </a:rPr>
+              <a:t>Chafik</a:t>
+            </a:r>
+            <a:r>
+              <a:rPr lang="en-US" altLang="en-US" sz="1200" dirty="0" smtClean="0">
+                <a:latin typeface="Arial Narrow" panose="020B0606020202030204" pitchFamily="34" charset="0"/>
+              </a:rPr>
+              <a:t>  Samir</a:t>
+            </a:r>
+          </a:p>
+          <a:p>
+            <a:pPr lvl="0" eaLnBrk="0" fontAlgn="base" hangingPunct="0">
+              <a:spcBef>
+                <a:spcPct val="0"/>
+              </a:spcBef>
+              <a:spcAft>
+                <a:spcPct val="0"/>
+              </a:spcAft>
+            </a:pPr>
+            <a:r>
+              <a:rPr lang="en-US" altLang="en-US" sz="1200" dirty="0" err="1" smtClean="0">
+                <a:latin typeface="Arial Narrow" panose="020B0606020202030204" pitchFamily="34" charset="0"/>
+              </a:rPr>
+              <a:t>Anis</a:t>
+            </a:r>
+            <a:r>
+              <a:rPr lang="en-US" altLang="en-US" sz="1200" dirty="0" smtClean="0">
+                <a:latin typeface="Arial Narrow" panose="020B0606020202030204" pitchFamily="34" charset="0"/>
+              </a:rPr>
+              <a:t> </a:t>
+            </a:r>
+            <a:r>
+              <a:rPr lang="en-US" altLang="en-US" sz="1200" dirty="0" err="1">
+                <a:latin typeface="Arial Narrow" panose="020B0606020202030204" pitchFamily="34" charset="0"/>
+              </a:rPr>
+              <a:t>Fradi</a:t>
+            </a:r>
+            <a:r>
+              <a:rPr lang="en-US" altLang="en-US" sz="1200" dirty="0">
+                <a:latin typeface="Arial Narrow" panose="020B0606020202030204" pitchFamily="34" charset="0"/>
+              </a:rPr>
+              <a:t> </a:t>
+            </a:r>
+          </a:p>
+          <a:p>
+            <a:pPr lvl="0" eaLnBrk="0" fontAlgn="base" hangingPunct="0">
+              <a:spcBef>
+                <a:spcPct val="0"/>
+              </a:spcBef>
+              <a:spcAft>
+                <a:spcPct val="0"/>
+              </a:spcAft>
+            </a:pPr>
+            <a:r>
+              <a:rPr lang="en-US" altLang="en-US" sz="1200" dirty="0">
+                <a:latin typeface="Arial Narrow" panose="020B0606020202030204" pitchFamily="34" charset="0"/>
+              </a:rPr>
+              <a:t>Rita  </a:t>
+            </a:r>
+            <a:r>
+              <a:rPr lang="en-US" altLang="en-US" sz="1200" dirty="0" err="1" smtClean="0">
+                <a:latin typeface="Arial Narrow" panose="020B0606020202030204" pitchFamily="34" charset="0"/>
+              </a:rPr>
+              <a:t>Fioresi</a:t>
+            </a:r>
+            <a:endParaRPr lang="en-US" altLang="en-US" sz="1200" dirty="0" smtClean="0">
+              <a:latin typeface="Arial Narrow" panose="020B0606020202030204" pitchFamily="34" charset="0"/>
+            </a:endParaRPr>
+          </a:p>
+          <a:p>
+            <a:pPr lvl="0" eaLnBrk="0" fontAlgn="base" hangingPunct="0">
+              <a:spcBef>
+                <a:spcPct val="0"/>
+              </a:spcBef>
+              <a:spcAft>
+                <a:spcPct val="0"/>
+              </a:spcAft>
+            </a:pPr>
+            <a:r>
+              <a:rPr lang="en-US" altLang="en-US" sz="1200" dirty="0" smtClean="0">
+                <a:latin typeface="Arial Narrow" panose="020B0606020202030204" pitchFamily="34" charset="0"/>
+              </a:rPr>
+              <a:t>Filippo </a:t>
+            </a:r>
+            <a:r>
+              <a:rPr lang="en-US" altLang="en-US" sz="1200" dirty="0" err="1">
+                <a:latin typeface="Arial Narrow" panose="020B0606020202030204" pitchFamily="34" charset="0"/>
+              </a:rPr>
+              <a:t>Masi</a:t>
+            </a:r>
+            <a:r>
+              <a:rPr lang="en-US" altLang="en-US" sz="1200" dirty="0">
+                <a:latin typeface="Arial Narrow" panose="020B0606020202030204" pitchFamily="34" charset="0"/>
+              </a:rPr>
+              <a:t> </a:t>
+            </a:r>
+          </a:p>
+          <a:p>
+            <a:pPr lvl="0" eaLnBrk="0" fontAlgn="base" hangingPunct="0">
+              <a:spcBef>
+                <a:spcPct val="0"/>
+              </a:spcBef>
+              <a:spcAft>
+                <a:spcPct val="0"/>
+              </a:spcAft>
+            </a:pPr>
+            <a:r>
+              <a:rPr lang="en-US" altLang="en-US" sz="1200" dirty="0">
+                <a:latin typeface="Arial Narrow" panose="020B0606020202030204" pitchFamily="34" charset="0"/>
+              </a:rPr>
+              <a:t>Emmanuel </a:t>
+            </a:r>
+            <a:r>
+              <a:rPr lang="en-US" altLang="en-US" sz="1200" dirty="0" err="1">
+                <a:latin typeface="Arial Narrow" panose="020B0606020202030204" pitchFamily="34" charset="0"/>
+              </a:rPr>
+              <a:t>Chevallier</a:t>
+            </a:r>
+            <a:r>
+              <a:rPr lang="en-US" altLang="en-US" sz="1200" dirty="0">
+                <a:latin typeface="Arial Narrow" panose="020B0606020202030204" pitchFamily="34" charset="0"/>
+              </a:rPr>
+              <a:t> </a:t>
+            </a:r>
+          </a:p>
+          <a:p>
+            <a:pPr lvl="0" eaLnBrk="0" fontAlgn="base" hangingPunct="0">
+              <a:spcBef>
+                <a:spcPct val="0"/>
+              </a:spcBef>
+              <a:spcAft>
+                <a:spcPct val="0"/>
+              </a:spcAft>
+            </a:pPr>
+            <a:r>
+              <a:rPr lang="en-US" altLang="en-US" sz="1200" dirty="0">
+                <a:latin typeface="Arial Narrow" panose="020B0606020202030204" pitchFamily="34" charset="0"/>
+              </a:rPr>
+              <a:t>Nicolas </a:t>
+            </a:r>
+            <a:r>
+              <a:rPr lang="en-US" altLang="en-US" sz="1200" dirty="0" err="1">
+                <a:latin typeface="Arial Narrow" panose="020B0606020202030204" pitchFamily="34" charset="0"/>
+              </a:rPr>
+              <a:t>Guigui</a:t>
+            </a:r>
+            <a:r>
+              <a:rPr lang="en-US" altLang="en-US" sz="1200" dirty="0">
+                <a:latin typeface="Arial Narrow" panose="020B0606020202030204" pitchFamily="34" charset="0"/>
+              </a:rPr>
+              <a:t> </a:t>
+            </a:r>
+          </a:p>
+          <a:p>
+            <a:pPr lvl="0" eaLnBrk="0" fontAlgn="base" hangingPunct="0">
+              <a:spcBef>
+                <a:spcPct val="0"/>
+              </a:spcBef>
+              <a:spcAft>
+                <a:spcPct val="0"/>
+              </a:spcAft>
+            </a:pPr>
+            <a:r>
+              <a:rPr lang="en-US" altLang="en-US" sz="1200" dirty="0">
+                <a:latin typeface="Arial Narrow" panose="020B0606020202030204" pitchFamily="34" charset="0"/>
+              </a:rPr>
+              <a:t>Riccardo </a:t>
+            </a:r>
+            <a:r>
+              <a:rPr lang="en-US" altLang="en-US" sz="1200" dirty="0" err="1">
+                <a:latin typeface="Arial Narrow" panose="020B0606020202030204" pitchFamily="34" charset="0"/>
+              </a:rPr>
+              <a:t>Volpi</a:t>
+            </a:r>
+            <a:endParaRPr lang="en-US" altLang="en-US" sz="1200" dirty="0">
+              <a:latin typeface="Arial Narrow" panose="020B0606020202030204" pitchFamily="34" charset="0"/>
+            </a:endParaRPr>
+          </a:p>
+          <a:p>
+            <a:pPr lvl="0" eaLnBrk="0" fontAlgn="base" hangingPunct="0">
+              <a:spcBef>
+                <a:spcPct val="0"/>
+              </a:spcBef>
+              <a:spcAft>
+                <a:spcPct val="0"/>
+              </a:spcAft>
+            </a:pPr>
+            <a:r>
+              <a:rPr lang="en-US" altLang="en-US" sz="1200" dirty="0" err="1" smtClean="0">
+                <a:latin typeface="Arial Narrow" panose="020B0606020202030204" pitchFamily="34" charset="0"/>
+              </a:rPr>
+              <a:t>Sébastien</a:t>
+            </a:r>
+            <a:r>
+              <a:rPr lang="en-US" altLang="en-US" sz="1200" dirty="0" smtClean="0">
+                <a:latin typeface="Arial Narrow" panose="020B0606020202030204" pitchFamily="34" charset="0"/>
+              </a:rPr>
+              <a:t> </a:t>
+            </a:r>
+            <a:r>
+              <a:rPr lang="en-US" altLang="en-US" sz="1200" dirty="0" err="1">
+                <a:latin typeface="Arial Narrow" panose="020B0606020202030204" pitchFamily="34" charset="0"/>
+              </a:rPr>
+              <a:t>Boyaval</a:t>
+            </a:r>
+            <a:r>
+              <a:rPr lang="en-US" altLang="en-US" sz="1200" dirty="0">
+                <a:latin typeface="Arial Narrow" panose="020B0606020202030204" pitchFamily="34" charset="0"/>
+              </a:rPr>
+              <a:t> </a:t>
+            </a:r>
+          </a:p>
+          <a:p>
+            <a:pPr lvl="0" eaLnBrk="0" fontAlgn="base" hangingPunct="0">
+              <a:spcBef>
+                <a:spcPct val="0"/>
+              </a:spcBef>
+              <a:spcAft>
+                <a:spcPct val="0"/>
+              </a:spcAft>
+            </a:pPr>
+            <a:r>
+              <a:rPr lang="en-US" altLang="en-US" sz="1200" dirty="0">
+                <a:latin typeface="Arial Narrow" panose="020B0606020202030204" pitchFamily="34" charset="0"/>
+              </a:rPr>
+              <a:t>Hatem </a:t>
+            </a:r>
+            <a:r>
+              <a:rPr lang="en-US" altLang="en-US" sz="1200" dirty="0" err="1">
+                <a:latin typeface="Arial Narrow" panose="020B0606020202030204" pitchFamily="34" charset="0"/>
+              </a:rPr>
+              <a:t>Hajri</a:t>
+            </a:r>
+            <a:endParaRPr lang="en-US" altLang="en-US" sz="1200" dirty="0">
+              <a:latin typeface="Arial Narrow" panose="020B0606020202030204" pitchFamily="34" charset="0"/>
+            </a:endParaRPr>
+          </a:p>
+          <a:p>
+            <a:pPr lvl="0" eaLnBrk="0" fontAlgn="base" hangingPunct="0">
+              <a:spcBef>
+                <a:spcPct val="0"/>
+              </a:spcBef>
+              <a:spcAft>
+                <a:spcPct val="0"/>
+              </a:spcAft>
+            </a:pPr>
+            <a:r>
+              <a:rPr lang="en-US" altLang="en-US" sz="1200" dirty="0" err="1" smtClean="0">
+                <a:latin typeface="Arial Narrow" panose="020B0606020202030204" pitchFamily="34" charset="0"/>
+              </a:rPr>
+              <a:t>Avetik</a:t>
+            </a:r>
+            <a:r>
+              <a:rPr lang="en-US" altLang="en-US" sz="1200" dirty="0" smtClean="0">
+                <a:latin typeface="Arial Narrow" panose="020B0606020202030204" pitchFamily="34" charset="0"/>
+              </a:rPr>
+              <a:t> </a:t>
+            </a:r>
+            <a:r>
+              <a:rPr lang="en-US" altLang="en-US" sz="1200" dirty="0" err="1">
+                <a:latin typeface="Arial Narrow" panose="020B0606020202030204" pitchFamily="34" charset="0"/>
+              </a:rPr>
+              <a:t>Karagulyan</a:t>
+            </a:r>
+            <a:endParaRPr lang="en-US" altLang="en-US" sz="1200" dirty="0">
+              <a:latin typeface="Arial Narrow" panose="020B0606020202030204" pitchFamily="34" charset="0"/>
+            </a:endParaRPr>
+          </a:p>
+          <a:p>
+            <a:pPr lvl="0" eaLnBrk="0" fontAlgn="base" hangingPunct="0">
+              <a:spcBef>
+                <a:spcPct val="0"/>
+              </a:spcBef>
+              <a:spcAft>
+                <a:spcPct val="0"/>
+              </a:spcAft>
+            </a:pPr>
+            <a:r>
+              <a:rPr lang="en-US" altLang="en-US" sz="1200" dirty="0" err="1" smtClean="0">
+                <a:latin typeface="Arial Narrow" panose="020B0606020202030204" pitchFamily="34" charset="0"/>
+              </a:rPr>
+              <a:t>Timothee</a:t>
+            </a:r>
+            <a:r>
+              <a:rPr lang="en-US" altLang="en-US" sz="1200" dirty="0">
+                <a:latin typeface="Arial Narrow" panose="020B0606020202030204" pitchFamily="34" charset="0"/>
+              </a:rPr>
+              <a:t>  </a:t>
+            </a:r>
+            <a:r>
+              <a:rPr lang="en-US" altLang="en-US" sz="1200" dirty="0" err="1">
+                <a:latin typeface="Arial Narrow" panose="020B0606020202030204" pitchFamily="34" charset="0"/>
+              </a:rPr>
+              <a:t>Pouchon</a:t>
+            </a:r>
+            <a:r>
+              <a:rPr lang="en-US" altLang="en-US" sz="1200" dirty="0">
+                <a:latin typeface="Arial Narrow" panose="020B0606020202030204" pitchFamily="34" charset="0"/>
+              </a:rPr>
+              <a:t> </a:t>
+            </a:r>
+            <a:endParaRPr lang="en-US" altLang="en-US" sz="1200" dirty="0" smtClean="0">
+              <a:latin typeface="Arial Narrow" panose="020B0606020202030204" pitchFamily="34" charset="0"/>
+            </a:endParaRPr>
+          </a:p>
+          <a:p>
+            <a:pPr lvl="0" eaLnBrk="0" fontAlgn="base" hangingPunct="0">
+              <a:spcBef>
+                <a:spcPct val="0"/>
+              </a:spcBef>
+              <a:spcAft>
+                <a:spcPct val="0"/>
+              </a:spcAft>
+            </a:pPr>
+            <a:r>
+              <a:rPr lang="en-US" altLang="en-US" sz="1200" dirty="0" smtClean="0">
+                <a:latin typeface="Arial Narrow" panose="020B0606020202030204" pitchFamily="34" charset="0"/>
+              </a:rPr>
+              <a:t>Elvis </a:t>
+            </a:r>
+            <a:r>
+              <a:rPr lang="en-US" altLang="en-US" sz="1200" dirty="0" err="1">
+                <a:latin typeface="Arial Narrow" panose="020B0606020202030204" pitchFamily="34" charset="0"/>
+              </a:rPr>
+              <a:t>Dohmatob</a:t>
+            </a:r>
+            <a:r>
+              <a:rPr lang="en-US" altLang="en-US" sz="1200" dirty="0">
+                <a:latin typeface="Arial Narrow" panose="020B0606020202030204" pitchFamily="34" charset="0"/>
+              </a:rPr>
+              <a:t> </a:t>
+            </a:r>
+          </a:p>
+          <a:p>
+            <a:pPr lvl="0" eaLnBrk="0" fontAlgn="base" hangingPunct="0">
+              <a:spcBef>
+                <a:spcPct val="0"/>
+              </a:spcBef>
+              <a:spcAft>
+                <a:spcPct val="0"/>
+              </a:spcAft>
+            </a:pPr>
+            <a:r>
+              <a:rPr lang="en-US" altLang="en-US" sz="1200" dirty="0">
+                <a:latin typeface="Arial Narrow" panose="020B0606020202030204" pitchFamily="34" charset="0"/>
+              </a:rPr>
+              <a:t>Pierre-Cyril Aubin-</a:t>
+            </a:r>
+            <a:r>
+              <a:rPr lang="en-US" altLang="en-US" sz="1200" dirty="0" err="1">
+                <a:latin typeface="Arial Narrow" panose="020B0606020202030204" pitchFamily="34" charset="0"/>
+              </a:rPr>
+              <a:t>Frankowski</a:t>
+            </a:r>
+            <a:r>
+              <a:rPr lang="en-US" altLang="en-US" sz="1200" dirty="0">
+                <a:latin typeface="Arial Narrow" panose="020B0606020202030204" pitchFamily="34" charset="0"/>
+              </a:rPr>
+              <a:t> </a:t>
+            </a:r>
+          </a:p>
+          <a:p>
+            <a:pPr lvl="0" eaLnBrk="0" fontAlgn="base" hangingPunct="0">
+              <a:spcBef>
+                <a:spcPct val="0"/>
+              </a:spcBef>
+              <a:spcAft>
+                <a:spcPct val="0"/>
+              </a:spcAft>
+            </a:pPr>
+            <a:r>
+              <a:rPr lang="en-US" altLang="en-US" sz="1200" dirty="0">
+                <a:latin typeface="Arial Narrow" panose="020B0606020202030204" pitchFamily="34" charset="0"/>
+              </a:rPr>
+              <a:t>Bruno </a:t>
+            </a:r>
+            <a:r>
+              <a:rPr lang="en-US" altLang="en-US" sz="1200" dirty="0" err="1">
+                <a:latin typeface="Arial Narrow" panose="020B0606020202030204" pitchFamily="34" charset="0"/>
+              </a:rPr>
+              <a:t>Sauvalle</a:t>
+            </a:r>
+            <a:r>
+              <a:rPr lang="en-US" altLang="en-US" sz="1200" dirty="0">
+                <a:latin typeface="Arial Narrow" panose="020B0606020202030204" pitchFamily="34" charset="0"/>
+              </a:rPr>
+              <a:t> </a:t>
+            </a:r>
+          </a:p>
+          <a:p>
+            <a:pPr lvl="0" eaLnBrk="0" fontAlgn="base" hangingPunct="0">
+              <a:spcBef>
+                <a:spcPct val="0"/>
+              </a:spcBef>
+              <a:spcAft>
+                <a:spcPct val="0"/>
+              </a:spcAft>
+            </a:pPr>
+            <a:r>
+              <a:rPr lang="en-US" altLang="en-US" sz="1200" dirty="0">
+                <a:latin typeface="Arial Narrow" panose="020B0606020202030204" pitchFamily="34" charset="0"/>
+              </a:rPr>
+              <a:t>Alexis </a:t>
+            </a:r>
+            <a:r>
+              <a:rPr lang="en-US" altLang="en-US" sz="1200" dirty="0" err="1">
+                <a:latin typeface="Arial Narrow" panose="020B0606020202030204" pitchFamily="34" charset="0"/>
+              </a:rPr>
+              <a:t>Decurninge</a:t>
+            </a:r>
+            <a:endParaRPr lang="en-US" altLang="en-US" sz="1200" dirty="0">
+              <a:latin typeface="Arial Narrow" panose="020B0606020202030204" pitchFamily="34" charset="0"/>
+            </a:endParaRPr>
+          </a:p>
+          <a:p>
+            <a:pPr lvl="0" eaLnBrk="0" fontAlgn="base" hangingPunct="0">
+              <a:spcBef>
+                <a:spcPct val="0"/>
+              </a:spcBef>
+              <a:spcAft>
+                <a:spcPct val="0"/>
+              </a:spcAft>
+            </a:pPr>
+            <a:r>
+              <a:rPr lang="en-US" altLang="en-US" sz="1200" dirty="0" smtClean="0">
+                <a:latin typeface="Arial Narrow" panose="020B0606020202030204" pitchFamily="34" charset="0"/>
+              </a:rPr>
+              <a:t>Carlos </a:t>
+            </a:r>
+            <a:r>
+              <a:rPr lang="en-US" altLang="en-US" sz="1200" dirty="0" err="1">
+                <a:latin typeface="Arial Narrow" panose="020B0606020202030204" pitchFamily="34" charset="0"/>
+              </a:rPr>
+              <a:t>Alcalde</a:t>
+            </a:r>
+            <a:endParaRPr lang="en-US" altLang="en-US" sz="1200" dirty="0">
+              <a:latin typeface="Arial Narrow" panose="020B0606020202030204" pitchFamily="34" charset="0"/>
+            </a:endParaRPr>
+          </a:p>
+          <a:p>
+            <a:pPr lvl="0" eaLnBrk="0" fontAlgn="base" hangingPunct="0">
+              <a:spcBef>
+                <a:spcPct val="0"/>
+              </a:spcBef>
+              <a:spcAft>
+                <a:spcPct val="0"/>
+              </a:spcAft>
+            </a:pPr>
+            <a:r>
+              <a:rPr lang="en-US" altLang="en-US" sz="1200" dirty="0" smtClean="0">
+                <a:latin typeface="Arial Narrow" panose="020B0606020202030204" pitchFamily="34" charset="0"/>
+              </a:rPr>
+              <a:t>Wolfgang </a:t>
+            </a:r>
+            <a:r>
+              <a:rPr lang="en-US" altLang="en-US" sz="1200" dirty="0" err="1">
+                <a:latin typeface="Arial Narrow" panose="020B0606020202030204" pitchFamily="34" charset="0"/>
+              </a:rPr>
+              <a:t>Doerr</a:t>
+            </a:r>
+            <a:endParaRPr lang="en-US" altLang="en-US" sz="1200" dirty="0">
+              <a:latin typeface="Arial Narrow" panose="020B0606020202030204" pitchFamily="34" charset="0"/>
+            </a:endParaRPr>
+          </a:p>
+          <a:p>
+            <a:pPr lvl="0" eaLnBrk="0" fontAlgn="base" hangingPunct="0">
+              <a:spcBef>
+                <a:spcPct val="0"/>
+              </a:spcBef>
+              <a:spcAft>
+                <a:spcPct val="0"/>
+              </a:spcAft>
+            </a:pPr>
+            <a:r>
+              <a:rPr lang="en-US" altLang="en-US" sz="1200" dirty="0" err="1" smtClean="0">
+                <a:latin typeface="Arial Narrow" panose="020B0606020202030204" pitchFamily="34" charset="0"/>
+              </a:rPr>
+              <a:t>Karmouda</a:t>
+            </a:r>
+            <a:r>
+              <a:rPr lang="en-US" altLang="en-US" sz="1200" dirty="0" smtClean="0">
+                <a:latin typeface="Arial Narrow" panose="020B0606020202030204" pitchFamily="34" charset="0"/>
+              </a:rPr>
+              <a:t> </a:t>
+            </a:r>
+            <a:r>
+              <a:rPr lang="en-US" altLang="en-US" sz="1200" dirty="0" err="1">
+                <a:latin typeface="Arial Narrow" panose="020B0606020202030204" pitchFamily="34" charset="0"/>
+              </a:rPr>
+              <a:t>Ouafae</a:t>
+            </a:r>
+            <a:r>
+              <a:rPr lang="en-US" altLang="en-US" sz="1200" dirty="0">
+                <a:latin typeface="Arial Narrow" panose="020B0606020202030204" pitchFamily="34" charset="0"/>
+              </a:rPr>
+              <a:t> </a:t>
+            </a:r>
+          </a:p>
+          <a:p>
+            <a:endParaRPr lang="en-US" sz="1200" dirty="0">
+              <a:latin typeface="Arial Narrow" panose="020B0606020202030204" pitchFamily="34" charset="0"/>
+            </a:endParaRPr>
+          </a:p>
+        </p:txBody>
+      </p:sp>
+    </p:spTree>
+    <p:extLst>
+      <p:ext uri="{BB962C8B-B14F-4D97-AF65-F5344CB8AC3E}">
+        <p14:creationId xmlns:p14="http://schemas.microsoft.com/office/powerpoint/2010/main" val="591995778"/>
       </p:ext>
     </p:extLst>
   </p:cSld>
